--- a/spring12/slidesS12/genfunc2.pptx
+++ b/spring12/slidesS12/genfunc2.pptx
@@ -5,10 +5,10 @@
     <p:sldMasterId id="2147483650" r:id="rId1"/>
   </p:sldMasterIdLst>
   <p:notesMasterIdLst>
-    <p:notesMasterId r:id="rId35"/>
+    <p:notesMasterId r:id="rId34"/>
   </p:notesMasterIdLst>
   <p:handoutMasterIdLst>
-    <p:handoutMasterId r:id="rId36"/>
+    <p:handoutMasterId r:id="rId35"/>
   </p:handoutMasterIdLst>
   <p:sldIdLst>
     <p:sldId id="474" r:id="rId2"/>
@@ -43,12 +43,11 @@
     <p:sldId id="531" r:id="rId31"/>
     <p:sldId id="559" r:id="rId32"/>
     <p:sldId id="558" r:id="rId33"/>
-    <p:sldId id="549" r:id="rId34"/>
   </p:sldIdLst>
   <p:sldSz cx="9144000" cy="6858000" type="screen4x3"/>
   <p:notesSz cx="9601200" cy="7315200"/>
   <p:custDataLst>
-    <p:tags r:id="rId38"/>
+    <p:tags r:id="rId37"/>
   </p:custDataLst>
   <p:defaultTextStyle>
     <a:defPPr>
@@ -2889,185 +2888,6 @@
 </p:notes>
 </file>
 
-<file path=ppt/notesSlides/notesSlide30.xml><?xml version="1.0" encoding="utf-8"?>
-<p:notes xmlns:a="http://schemas.openxmlformats.org/drawingml/2006/main" xmlns:r="http://schemas.openxmlformats.org/officeDocument/2006/relationships" xmlns:p="http://schemas.openxmlformats.org/presentationml/2006/main">
-  <p:cSld>
-    <p:spTree>
-      <p:nvGrpSpPr>
-        <p:cNvPr id="1" name=""/>
-        <p:cNvGrpSpPr/>
-        <p:nvPr/>
-      </p:nvGrpSpPr>
-      <p:grpSpPr>
-        <a:xfrm>
-          <a:off x="0" y="0"/>
-          <a:ext cx="0" cy="0"/>
-          <a:chOff x="0" y="0"/>
-          <a:chExt cx="0" cy="0"/>
-        </a:xfrm>
-      </p:grpSpPr>
-      <p:sp>
-        <p:nvSpPr>
-          <p:cNvPr id="9" name="Rectangle 7"/>
-          <p:cNvSpPr>
-            <a:spLocks noGrp="1" noChangeArrowheads="1"/>
-          </p:cNvSpPr>
-          <p:nvPr>
-            <p:ph type="sldNum" sz="quarter" idx="5"/>
-          </p:nvPr>
-        </p:nvSpPr>
-        <p:spPr>
-          <a:ln/>
-        </p:spPr>
-        <p:txBody>
-          <a:bodyPr/>
-          <a:lstStyle/>
-          <a:p>
-            <a:pPr>
-              <a:defRPr/>
-            </a:pPr>
-            <a:r>
-              <a:rPr lang="en-US"/>
-              <a:t>‹#›</a:t>
-            </a:r>
-          </a:p>
-        </p:txBody>
-      </p:sp>
-      <p:sp>
-        <p:nvSpPr>
-          <p:cNvPr id="206850" name="Text Box 2"/>
-          <p:cNvSpPr txBox="1">
-            <a:spLocks noGrp="1" noChangeArrowheads="1"/>
-          </p:cNvSpPr>
-          <p:nvPr/>
-        </p:nvSpPr>
-        <p:spPr bwMode="auto">
-          <a:xfrm>
-            <a:off x="5442347" y="6949924"/>
-            <a:ext cx="4158853" cy="365276"/>
-          </a:xfrm>
-          <a:prstGeom prst="rect">
-            <a:avLst/>
-          </a:prstGeom>
-          <a:noFill/>
-          <a:ln w="9525">
-            <a:noFill/>
-            <a:miter lim="800000"/>
-            <a:headEnd/>
-            <a:tailEnd/>
-          </a:ln>
-        </p:spPr>
-        <p:txBody>
-          <a:bodyPr lIns="96660" tIns="48330" rIns="96660" bIns="48330" anchor="b"/>
-          <a:lstStyle/>
-          <a:p>
-            <a:pPr algn="r" defTabSz="966788" fontAlgn="base">
-              <a:spcBef>
-                <a:spcPct val="0"/>
-              </a:spcBef>
-              <a:spcAft>
-                <a:spcPct val="0"/>
-              </a:spcAft>
-            </a:pPr>
-            <a:r>
-              <a:rPr lang="en-US" sz="1300">
-                <a:latin typeface="Times New Roman" pitchFamily="18" charset="0"/>
-              </a:rPr>
-              <a:t>‹#›</a:t>
-            </a:r>
-          </a:p>
-        </p:txBody>
-      </p:sp>
-      <p:sp>
-        <p:nvSpPr>
-          <p:cNvPr id="206851" name="Text Box 3"/>
-          <p:cNvSpPr txBox="1">
-            <a:spLocks noGrp="1" noChangeArrowheads="1"/>
-          </p:cNvSpPr>
-          <p:nvPr/>
-        </p:nvSpPr>
-        <p:spPr bwMode="auto">
-          <a:xfrm>
-            <a:off x="5442347" y="6949924"/>
-            <a:ext cx="4158853" cy="365276"/>
-          </a:xfrm>
-          <a:prstGeom prst="rect">
-            <a:avLst/>
-          </a:prstGeom>
-          <a:noFill/>
-          <a:ln w="9525">
-            <a:noFill/>
-            <a:miter lim="800000"/>
-            <a:headEnd/>
-            <a:tailEnd/>
-          </a:ln>
-        </p:spPr>
-        <p:txBody>
-          <a:bodyPr lIns="96660" tIns="48330" rIns="96660" bIns="48330" anchor="b"/>
-          <a:lstStyle/>
-          <a:p>
-            <a:pPr algn="r" defTabSz="966788" fontAlgn="base">
-              <a:spcBef>
-                <a:spcPct val="0"/>
-              </a:spcBef>
-              <a:spcAft>
-                <a:spcPct val="0"/>
-              </a:spcAft>
-            </a:pPr>
-            <a:r>
-              <a:rPr lang="en-US" sz="1300">
-                <a:latin typeface="Times New Roman" pitchFamily="18" charset="0"/>
-              </a:rPr>
-              <a:t>34</a:t>
-            </a:r>
-          </a:p>
-        </p:txBody>
-      </p:sp>
-      <p:sp>
-        <p:nvSpPr>
-          <p:cNvPr id="206852" name="Rectangle 4"/>
-          <p:cNvSpPr>
-            <a:spLocks noGrp="1" noRot="1" noChangeAspect="1" noChangeArrowheads="1" noTextEdit="1"/>
-          </p:cNvSpPr>
-          <p:nvPr>
-            <p:ph type="sldImg"/>
-          </p:nvPr>
-        </p:nvSpPr>
-        <p:spPr>
-          <a:ln/>
-        </p:spPr>
-      </p:sp>
-      <p:sp>
-        <p:nvSpPr>
-          <p:cNvPr id="7173" name="Rectangle 5"/>
-          <p:cNvSpPr>
-            <a:spLocks noGrp="1" noChangeArrowheads="1"/>
-          </p:cNvSpPr>
-          <p:nvPr>
-            <p:ph type="body" idx="1"/>
-          </p:nvPr>
-        </p:nvSpPr>
-        <p:spPr>
-          <a:noFill/>
-          <a:ln/>
-        </p:spPr>
-        <p:txBody>
-          <a:bodyPr/>
-          <a:lstStyle/>
-          <a:p>
-            <a:pPr eaLnBrk="1" hangingPunct="1"/>
-            <a:endParaRPr lang="en-US"/>
-          </a:p>
-        </p:txBody>
-      </p:sp>
-    </p:spTree>
-  </p:cSld>
-  <p:clrMapOvr>
-    <a:masterClrMapping/>
-  </p:clrMapOvr>
-</p:notes>
-</file>
-
 <file path=ppt/notesSlides/notesSlide4.xml><?xml version="1.0" encoding="utf-8"?>
 <p:notes xmlns:a="http://schemas.openxmlformats.org/drawingml/2006/main" xmlns:r="http://schemas.openxmlformats.org/officeDocument/2006/relationships" xmlns:p="http://schemas.openxmlformats.org/presentationml/2006/main">
   <p:cSld>
@@ -3752,7 +3572,11 @@
             </a:r>
             <a:r>
               <a:rPr lang="en-US" dirty="0" smtClean="0"/>
-              <a:t> 13M.</a:t>
+              <a:t> </a:t>
+            </a:r>
+            <a:r>
+              <a:rPr lang="en-US" dirty="0" smtClean="0"/>
+              <a:t>11M.</a:t>
             </a:r>
             <a:fld id="{17233D2A-0857-4415-88C1-423492E69A26}" type="slidenum">
               <a:rPr lang="en-US" smtClean="0"/>
@@ -3921,7 +3745,11 @@
             </a:r>
             <a:r>
               <a:rPr lang="en-US" dirty="0" smtClean="0"/>
-              <a:t> 13M.</a:t>
+              <a:t> </a:t>
+            </a:r>
+            <a:r>
+              <a:rPr lang="en-US" dirty="0" smtClean="0"/>
+              <a:t>11M.</a:t>
             </a:r>
             <a:fld id="{17233D2A-0857-4415-88C1-423492E69A26}" type="slidenum">
               <a:rPr lang="en-US" smtClean="0"/>
@@ -4038,7 +3866,11 @@
             </a:r>
             <a:r>
               <a:rPr lang="en-US" dirty="0" smtClean="0"/>
-              <a:t> 13M.</a:t>
+              <a:t> </a:t>
+            </a:r>
+            <a:r>
+              <a:rPr lang="en-US" dirty="0" smtClean="0"/>
+              <a:t>11M.</a:t>
             </a:r>
             <a:fld id="{17233D2A-0857-4415-88C1-423492E69A26}" type="slidenum">
               <a:rPr lang="en-US" smtClean="0"/>
@@ -4132,7 +3964,11 @@
             </a:r>
             <a:r>
               <a:rPr lang="en-US" dirty="0" smtClean="0"/>
-              <a:t> 13M.</a:t>
+              <a:t> </a:t>
+            </a:r>
+            <a:r>
+              <a:rPr lang="en-US" dirty="0" smtClean="0"/>
+              <a:t>11M.</a:t>
             </a:r>
             <a:fld id="{17233D2A-0857-4415-88C1-423492E69A26}" type="slidenum">
               <a:rPr lang="en-US" smtClean="0"/>
@@ -4346,7 +4182,15 @@
             </a:r>
             <a:r>
               <a:rPr lang="en-US" dirty="0" smtClean="0"/>
-              <a:t> 13M.</a:t>
+              <a:t> </a:t>
+            </a:r>
+            <a:r>
+              <a:rPr lang="en-US" dirty="0" smtClean="0"/>
+              <a:t>11M</a:t>
+            </a:r>
+            <a:r>
+              <a:rPr lang="en-US" dirty="0" smtClean="0"/>
+              <a:t>.</a:t>
             </a:r>
             <a:fld id="{17233D2A-0857-4415-88C1-423492E69A26}" type="slidenum">
               <a:rPr lang="en-US" smtClean="0"/>
@@ -4442,7 +4286,22 @@
                 <a:uFillTx/>
                 <a:latin typeface="Comic Sans MS" pitchFamily="66" charset="0"/>
               </a:rPr>
-              <a:t>Albert R Meyer,         November 28, 2011</a:t>
+              <a:t>Albert R Meyer,         </a:t>
+            </a:r>
+            <a:r>
+              <a:rPr kumimoji="0" lang="en-US" sz="1200" b="0" i="0" u="none" strike="noStrike" kern="1200" cap="none" spc="0" normalizeH="0" baseline="0" noProof="0" dirty="0" smtClean="0">
+                <a:ln>
+                  <a:noFill/>
+                </a:ln>
+                <a:solidFill>
+                  <a:schemeClr val="tx1"/>
+                </a:solidFill>
+                <a:effectLst/>
+                <a:uLnTx/>
+                <a:uFillTx/>
+                <a:latin typeface="Comic Sans MS" pitchFamily="66" charset="0"/>
+              </a:rPr>
+              <a:t>April 23, 2012</a:t>
             </a:r>
             <a:endParaRPr kumimoji="0" lang="en-US" sz="1200" b="0" i="0" u="none" strike="noStrike" kern="1200" cap="none" spc="0" normalizeH="0" baseline="0" noProof="0" dirty="0">
               <a:ln>
@@ -5118,7 +4977,24 @@
                 <a:ea typeface="+mn-ea"/>
                 <a:cs typeface="+mn-cs"/>
               </a:rPr>
-              <a:t> 13M.</a:t>
+              <a:t> </a:t>
+            </a:r>
+            <a:r>
+              <a:rPr kumimoji="0" lang="en-US" sz="1000" b="0" i="0" u="none" strike="noStrike" kern="1200" cap="none" spc="0" normalizeH="0" baseline="0" noProof="0" dirty="0" smtClean="0">
+                <a:ln>
+                  <a:noFill/>
+                </a:ln>
+                <a:solidFill>
+                  <a:schemeClr val="tx1"/>
+                </a:solidFill>
+                <a:effectLst/>
+                <a:uLnTx/>
+                <a:uFillTx/>
+                <a:latin typeface="Comic Sans MS" pitchFamily="66" charset="0"/>
+                <a:ea typeface="+mn-ea"/>
+                <a:cs typeface="+mn-cs"/>
+              </a:rPr>
+              <a:t>11M.</a:t>
             </a:r>
             <a:fld id="{17233D2A-0857-4415-88C1-423492E69A26}" type="slidenum">
               <a:rPr kumimoji="0" lang="en-US" sz="1000" b="0" i="0" u="none" strike="noStrike" kern="1200" cap="none" spc="0" normalizeH="0" baseline="0" noProof="0" smtClean="0">
@@ -5258,7 +5134,11 @@
             </a:r>
             <a:r>
               <a:rPr lang="en-US" dirty="0" smtClean="0"/>
-              <a:t> 13M.</a:t>
+              <a:t> </a:t>
+            </a:r>
+            <a:r>
+              <a:rPr lang="en-US" dirty="0" smtClean="0"/>
+              <a:t>11M.</a:t>
             </a:r>
             <a:fld id="{17233D2A-0857-4415-88C1-423492E69A26}" type="slidenum">
               <a:rPr lang="en-US" smtClean="0"/>
@@ -5293,7 +5173,7 @@
           <a:graphicData uri="http://schemas.openxmlformats.org/presentationml/2006/ole">
             <mc:AlternateContent xmlns:mc="http://schemas.openxmlformats.org/markup-compatibility/2006">
               <mc:Choice xmlns:v="urn:schemas-microsoft-com:vml" Requires="v">
-                <p:oleObj spid="_x0000_s106550" name="Equation" r:id="rId4" imgW="8204200" imgH="850900" progId="Equation.DSMT4">
+                <p:oleObj spid="_x0000_s106556" name="Equation" r:id="rId4" imgW="8204200" imgH="850900" progId="Equation.DSMT4">
                   <p:embed/>
                 </p:oleObj>
               </mc:Choice>
@@ -5363,7 +5243,7 @@
           <a:graphicData uri="http://schemas.openxmlformats.org/presentationml/2006/ole">
             <mc:AlternateContent xmlns:mc="http://schemas.openxmlformats.org/markup-compatibility/2006">
               <mc:Choice xmlns:v="urn:schemas-microsoft-com:vml" Requires="v">
-                <p:oleObj spid="_x0000_s106551" name="Equation" r:id="rId6" imgW="8204200" imgH="850900" progId="Equation.DSMT4">
+                <p:oleObj spid="_x0000_s106557" name="Equation" r:id="rId6" imgW="8204200" imgH="850900" progId="Equation.DSMT4">
                   <p:embed/>
                 </p:oleObj>
               </mc:Choice>
@@ -5433,7 +5313,7 @@
           <a:graphicData uri="http://schemas.openxmlformats.org/presentationml/2006/ole">
             <mc:AlternateContent xmlns:mc="http://schemas.openxmlformats.org/markup-compatibility/2006">
               <mc:Choice xmlns:v="urn:schemas-microsoft-com:vml" Requires="v">
-                <p:oleObj spid="_x0000_s106552" name="Equation" r:id="rId8" imgW="8204200" imgH="850900" progId="Equation.DSMT4">
+                <p:oleObj spid="_x0000_s106558" name="Equation" r:id="rId8" imgW="8204200" imgH="850900" progId="Equation.DSMT4">
                   <p:embed/>
                 </p:oleObj>
               </mc:Choice>
@@ -5627,7 +5507,7 @@
           <a:graphicData uri="http://schemas.openxmlformats.org/presentationml/2006/ole">
             <mc:AlternateContent xmlns:mc="http://schemas.openxmlformats.org/markup-compatibility/2006">
               <mc:Choice xmlns:v="urn:schemas-microsoft-com:vml" Requires="v">
-                <p:oleObj spid="_x0000_s106553" name="Equation" r:id="rId10" imgW="8204200" imgH="622300" progId="Equation.DSMT4">
+                <p:oleObj spid="_x0000_s106559" name="Equation" r:id="rId10" imgW="8204200" imgH="622300" progId="Equation.DSMT4">
                   <p:embed/>
                 </p:oleObj>
               </mc:Choice>
@@ -5697,7 +5577,7 @@
           <a:graphicData uri="http://schemas.openxmlformats.org/presentationml/2006/ole">
             <mc:AlternateContent xmlns:mc="http://schemas.openxmlformats.org/markup-compatibility/2006">
               <mc:Choice xmlns:v="urn:schemas-microsoft-com:vml" Requires="v">
-                <p:oleObj spid="_x0000_s106554" name="Equation" r:id="rId12" imgW="4038600" imgH="850900" progId="Equation.DSMT4">
+                <p:oleObj spid="_x0000_s106560" name="Equation" r:id="rId12" imgW="4038600" imgH="850900" progId="Equation.DSMT4">
                   <p:embed/>
                 </p:oleObj>
               </mc:Choice>
@@ -6219,7 +6099,11 @@
             </a:r>
             <a:r>
               <a:rPr lang="en-US" dirty="0" smtClean="0"/>
-              <a:t> 13M.</a:t>
+              <a:t> </a:t>
+            </a:r>
+            <a:r>
+              <a:rPr lang="en-US" dirty="0" smtClean="0"/>
+              <a:t>11M.</a:t>
             </a:r>
             <a:fld id="{17233D2A-0857-4415-88C1-423492E69A26}" type="slidenum">
               <a:rPr lang="en-US" smtClean="0"/>
@@ -6254,7 +6138,7 @@
           <a:graphicData uri="http://schemas.openxmlformats.org/presentationml/2006/ole">
             <mc:AlternateContent xmlns:mc="http://schemas.openxmlformats.org/markup-compatibility/2006">
               <mc:Choice xmlns:v="urn:schemas-microsoft-com:vml" Requires="v">
-                <p:oleObj spid="_x0000_s108607" name="Equation" r:id="rId4" imgW="4114800" imgH="850900" progId="Equation.DSMT4">
+                <p:oleObj spid="_x0000_s108614" name="Equation" r:id="rId4" imgW="4114800" imgH="850900" progId="Equation.DSMT4">
                   <p:embed/>
                 </p:oleObj>
               </mc:Choice>
@@ -6318,7 +6202,7 @@
           <a:graphicData uri="http://schemas.openxmlformats.org/presentationml/2006/ole">
             <mc:AlternateContent xmlns:mc="http://schemas.openxmlformats.org/markup-compatibility/2006">
               <mc:Choice xmlns:v="urn:schemas-microsoft-com:vml" Requires="v">
-                <p:oleObj spid="_x0000_s108608" name="Equation" r:id="rId6" imgW="4101840" imgH="596880" progId="Equation.DSMT4">
+                <p:oleObj spid="_x0000_s108615" name="Equation" r:id="rId6" imgW="4101840" imgH="596880" progId="Equation.DSMT4">
                   <p:embed/>
                 </p:oleObj>
               </mc:Choice>
@@ -6388,7 +6272,7 @@
           <a:graphicData uri="http://schemas.openxmlformats.org/presentationml/2006/ole">
             <mc:AlternateContent xmlns:mc="http://schemas.openxmlformats.org/markup-compatibility/2006">
               <mc:Choice xmlns:v="urn:schemas-microsoft-com:vml" Requires="v">
-                <p:oleObj spid="_x0000_s108609" name="Equation" r:id="rId8" imgW="4317840" imgH="622080" progId="Equation.DSMT4">
+                <p:oleObj spid="_x0000_s108616" name="Equation" r:id="rId8" imgW="4317840" imgH="622080" progId="Equation.DSMT4">
                   <p:embed/>
                 </p:oleObj>
               </mc:Choice>
@@ -6495,7 +6379,7 @@
           <a:graphicData uri="http://schemas.openxmlformats.org/presentationml/2006/ole">
             <mc:AlternateContent xmlns:mc="http://schemas.openxmlformats.org/markup-compatibility/2006">
               <mc:Choice xmlns:v="urn:schemas-microsoft-com:vml" Requires="v">
-                <p:oleObj spid="_x0000_s108610" name="Equation" r:id="rId10" imgW="1981200" imgH="1778000" progId="Equation.DSMT4">
+                <p:oleObj spid="_x0000_s108617" name="Equation" r:id="rId10" imgW="1981200" imgH="1778000" progId="Equation.DSMT4">
                   <p:embed/>
                 </p:oleObj>
               </mc:Choice>
@@ -6559,7 +6443,7 @@
           <a:graphicData uri="http://schemas.openxmlformats.org/presentationml/2006/ole">
             <mc:AlternateContent xmlns:mc="http://schemas.openxmlformats.org/markup-compatibility/2006">
               <mc:Choice xmlns:v="urn:schemas-microsoft-com:vml" Requires="v">
-                <p:oleObj spid="_x0000_s108611" name="Equation" r:id="rId12" imgW="8280360" imgH="647640" progId="Equation.DSMT4">
+                <p:oleObj spid="_x0000_s108618" name="Equation" r:id="rId12" imgW="8280360" imgH="647640" progId="Equation.DSMT4">
                   <p:embed/>
                 </p:oleObj>
               </mc:Choice>
@@ -6629,7 +6513,7 @@
           <a:graphicData uri="http://schemas.openxmlformats.org/presentationml/2006/ole">
             <mc:AlternateContent xmlns:mc="http://schemas.openxmlformats.org/markup-compatibility/2006">
               <mc:Choice xmlns:v="urn:schemas-microsoft-com:vml" Requires="v">
-                <p:oleObj spid="_x0000_s108612" name="Equation" r:id="rId14" imgW="7251480" imgH="660240" progId="Equation.DSMT4">
+                <p:oleObj spid="_x0000_s108619" name="Equation" r:id="rId14" imgW="7251480" imgH="660240" progId="Equation.DSMT4">
                   <p:embed/>
                 </p:oleObj>
               </mc:Choice>
@@ -6924,7 +6808,11 @@
             </a:r>
             <a:r>
               <a:rPr lang="en-US" dirty="0" smtClean="0"/>
-              <a:t> 13M.</a:t>
+              <a:t> </a:t>
+            </a:r>
+            <a:r>
+              <a:rPr lang="en-US" dirty="0" smtClean="0"/>
+              <a:t>11M.</a:t>
             </a:r>
             <a:fld id="{17233D2A-0857-4415-88C1-423492E69A26}" type="slidenum">
               <a:rPr lang="en-US" smtClean="0"/>
@@ -6953,7 +6841,7 @@
           <a:graphicData uri="http://schemas.openxmlformats.org/presentationml/2006/ole">
             <mc:AlternateContent xmlns:mc="http://schemas.openxmlformats.org/markup-compatibility/2006">
               <mc:Choice xmlns:v="urn:schemas-microsoft-com:vml" Requires="v">
-                <p:oleObj spid="_x0000_s334863" name="Equation" r:id="rId3" imgW="3987720" imgH="1384200" progId="Equation.DSMT4">
+                <p:oleObj spid="_x0000_s334865" name="Equation" r:id="rId3" imgW="3987720" imgH="1384200" progId="Equation.DSMT4">
                   <p:embed/>
                 </p:oleObj>
               </mc:Choice>
@@ -7094,7 +6982,7 @@
           <a:graphicData uri="http://schemas.openxmlformats.org/presentationml/2006/ole">
             <mc:AlternateContent xmlns:mc="http://schemas.openxmlformats.org/markup-compatibility/2006">
               <mc:Choice xmlns:v="urn:schemas-microsoft-com:vml" Requires="v">
-                <p:oleObj spid="_x0000_s253985" name="Equation" r:id="rId4" imgW="1168400" imgH="508000" progId="Equation.DSMT4">
+                <p:oleObj spid="_x0000_s253989" name="Equation" r:id="rId4" imgW="1168400" imgH="508000" progId="Equation.DSMT4">
                   <p:embed/>
                 </p:oleObj>
               </mc:Choice>
@@ -7164,7 +7052,7 @@
           <a:graphicData uri="http://schemas.openxmlformats.org/presentationml/2006/ole">
             <mc:AlternateContent xmlns:mc="http://schemas.openxmlformats.org/markup-compatibility/2006">
               <mc:Choice xmlns:v="urn:schemas-microsoft-com:vml" Requires="v">
-                <p:oleObj spid="_x0000_s253986" name="Equation" r:id="rId6" imgW="1181100" imgH="495300" progId="Equation.DSMT4">
+                <p:oleObj spid="_x0000_s253990" name="Equation" r:id="rId6" imgW="1181100" imgH="495300" progId="Equation.DSMT4">
                   <p:embed/>
                 </p:oleObj>
               </mc:Choice>
@@ -7263,7 +7151,11 @@
             </a:r>
             <a:r>
               <a:rPr lang="en-US" dirty="0" smtClean="0"/>
-              <a:t> 13M.</a:t>
+              <a:t> </a:t>
+            </a:r>
+            <a:r>
+              <a:rPr lang="en-US" dirty="0" smtClean="0"/>
+              <a:t>11M.</a:t>
             </a:r>
             <a:fld id="{17233D2A-0857-4415-88C1-423492E69A26}" type="slidenum">
               <a:rPr lang="en-US" smtClean="0"/>
@@ -7292,7 +7184,7 @@
           <a:graphicData uri="http://schemas.openxmlformats.org/presentationml/2006/ole">
             <mc:AlternateContent xmlns:mc="http://schemas.openxmlformats.org/markup-compatibility/2006">
               <mc:Choice xmlns:v="urn:schemas-microsoft-com:vml" Requires="v">
-                <p:oleObj spid="_x0000_s253987" name="Equation" r:id="rId8" imgW="2527300" imgH="520700" progId="Equation.DSMT4">
+                <p:oleObj spid="_x0000_s253991" name="Equation" r:id="rId8" imgW="2527300" imgH="520700" progId="Equation.DSMT4">
                   <p:embed/>
                 </p:oleObj>
               </mc:Choice>
@@ -7724,7 +7616,24 @@
                 <a:ea typeface="+mn-ea"/>
                 <a:cs typeface="+mn-cs"/>
               </a:rPr>
-              <a:t> 13M.</a:t>
+              <a:t> </a:t>
+            </a:r>
+            <a:r>
+              <a:rPr kumimoji="0" lang="en-US" sz="1000" b="0" i="0" u="none" strike="noStrike" kern="1200" cap="none" spc="0" normalizeH="0" baseline="0" noProof="0" dirty="0" smtClean="0">
+                <a:ln>
+                  <a:noFill/>
+                </a:ln>
+                <a:solidFill>
+                  <a:schemeClr val="tx1"/>
+                </a:solidFill>
+                <a:effectLst/>
+                <a:uLnTx/>
+                <a:uFillTx/>
+                <a:latin typeface="Comic Sans MS" pitchFamily="66" charset="0"/>
+                <a:ea typeface="+mn-ea"/>
+                <a:cs typeface="+mn-cs"/>
+              </a:rPr>
+              <a:t>11M.</a:t>
             </a:r>
             <a:fld id="{17233D2A-0857-4415-88C1-423492E69A26}" type="slidenum">
               <a:rPr kumimoji="0" lang="en-US" sz="1000" b="0" i="0" u="none" strike="noStrike" kern="1200" cap="none" spc="0" normalizeH="0" baseline="0" noProof="0" smtClean="0">
@@ -7793,7 +7702,7 @@
           <a:graphicData uri="http://schemas.openxmlformats.org/presentationml/2006/ole">
             <mc:AlternateContent xmlns:mc="http://schemas.openxmlformats.org/markup-compatibility/2006">
               <mc:Choice xmlns:v="urn:schemas-microsoft-com:vml" Requires="v">
-                <p:oleObj spid="_x0000_s45080" name="Equation" r:id="rId4" imgW="3987720" imgH="1384200" progId="Equation.DSMT4">
+                <p:oleObj spid="_x0000_s45083" name="Equation" r:id="rId4" imgW="3987720" imgH="1384200" progId="Equation.DSMT4">
                   <p:embed/>
                 </p:oleObj>
               </mc:Choice>
@@ -7863,7 +7772,7 @@
           <a:graphicData uri="http://schemas.openxmlformats.org/presentationml/2006/ole">
             <mc:AlternateContent xmlns:mc="http://schemas.openxmlformats.org/markup-compatibility/2006">
               <mc:Choice xmlns:v="urn:schemas-microsoft-com:vml" Requires="v">
-                <p:oleObj spid="_x0000_s45081" name="Equation" r:id="rId6" imgW="635000" imgH="266700" progId="Equation.DSMT4">
+                <p:oleObj spid="_x0000_s45084" name="Equation" r:id="rId6" imgW="635000" imgH="266700" progId="Equation.DSMT4">
                   <p:embed/>
                 </p:oleObj>
               </mc:Choice>
@@ -8290,7 +8199,24 @@
                 <a:ea typeface="+mn-ea"/>
                 <a:cs typeface="+mn-cs"/>
               </a:rPr>
-              <a:t> 13M.</a:t>
+              <a:t> </a:t>
+            </a:r>
+            <a:r>
+              <a:rPr kumimoji="0" lang="en-US" sz="1000" b="0" i="0" u="none" strike="noStrike" kern="1200" cap="none" spc="0" normalizeH="0" baseline="0" noProof="0" dirty="0" smtClean="0">
+                <a:ln>
+                  <a:noFill/>
+                </a:ln>
+                <a:solidFill>
+                  <a:schemeClr val="tx1"/>
+                </a:solidFill>
+                <a:effectLst/>
+                <a:uLnTx/>
+                <a:uFillTx/>
+                <a:latin typeface="Comic Sans MS" pitchFamily="66" charset="0"/>
+                <a:ea typeface="+mn-ea"/>
+                <a:cs typeface="+mn-cs"/>
+              </a:rPr>
+              <a:t>11M.</a:t>
             </a:r>
             <a:fld id="{17233D2A-0857-4415-88C1-423492E69A26}" type="slidenum">
               <a:rPr kumimoji="0" lang="en-US" sz="1000" b="0" i="0" u="none" strike="noStrike" kern="1200" cap="none" spc="0" normalizeH="0" baseline="0" noProof="0" smtClean="0">
@@ -8359,7 +8285,7 @@
           <a:graphicData uri="http://schemas.openxmlformats.org/presentationml/2006/ole">
             <mc:AlternateContent xmlns:mc="http://schemas.openxmlformats.org/markup-compatibility/2006">
               <mc:Choice xmlns:v="urn:schemas-microsoft-com:vml" Requires="v">
-                <p:oleObj spid="_x0000_s43031" name="Equation" r:id="rId4" imgW="3987720" imgH="1244520" progId="Equation.DSMT4">
+                <p:oleObj spid="_x0000_s43034" name="Equation" r:id="rId4" imgW="3987720" imgH="1244520" progId="Equation.DSMT4">
                   <p:embed/>
                 </p:oleObj>
               </mc:Choice>
@@ -8429,7 +8355,7 @@
           <a:graphicData uri="http://schemas.openxmlformats.org/presentationml/2006/ole">
             <mc:AlternateContent xmlns:mc="http://schemas.openxmlformats.org/markup-compatibility/2006">
               <mc:Choice xmlns:v="urn:schemas-microsoft-com:vml" Requires="v">
-                <p:oleObj spid="_x0000_s43032" name="Equation" r:id="rId6" imgW="6451560" imgH="711000" progId="Equation.DSMT4">
+                <p:oleObj spid="_x0000_s43035" name="Equation" r:id="rId6" imgW="6451560" imgH="711000" progId="Equation.DSMT4">
                   <p:embed/>
                 </p:oleObj>
               </mc:Choice>
@@ -9070,7 +8996,24 @@
                 <a:ea typeface="+mn-ea"/>
                 <a:cs typeface="+mn-cs"/>
               </a:rPr>
-              <a:t> 13M.</a:t>
+              <a:t> </a:t>
+            </a:r>
+            <a:r>
+              <a:rPr kumimoji="0" lang="en-US" sz="1000" b="0" i="0" u="none" strike="noStrike" kern="1200" cap="none" spc="0" normalizeH="0" baseline="0" noProof="0" dirty="0" smtClean="0">
+                <a:ln>
+                  <a:noFill/>
+                </a:ln>
+                <a:solidFill>
+                  <a:schemeClr val="tx1"/>
+                </a:solidFill>
+                <a:effectLst/>
+                <a:uLnTx/>
+                <a:uFillTx/>
+                <a:latin typeface="Comic Sans MS" pitchFamily="66" charset="0"/>
+                <a:ea typeface="+mn-ea"/>
+                <a:cs typeface="+mn-cs"/>
+              </a:rPr>
+              <a:t>11M.</a:t>
             </a:r>
             <a:fld id="{17233D2A-0857-4415-88C1-423492E69A26}" type="slidenum">
               <a:rPr kumimoji="0" lang="en-US" sz="1000" b="0" i="0" u="none" strike="noStrike" kern="1200" cap="none" spc="0" normalizeH="0" baseline="0" noProof="0" smtClean="0">
@@ -9139,7 +9082,7 @@
           <a:graphicData uri="http://schemas.openxmlformats.org/presentationml/2006/ole">
             <mc:AlternateContent xmlns:mc="http://schemas.openxmlformats.org/markup-compatibility/2006">
               <mc:Choice xmlns:v="urn:schemas-microsoft-com:vml" Requires="v">
-                <p:oleObj spid="_x0000_s190495" name="Equation" r:id="rId4" imgW="3987720" imgH="1244520" progId="Equation.DSMT4">
+                <p:oleObj spid="_x0000_s190499" name="Equation" r:id="rId4" imgW="3987720" imgH="1244520" progId="Equation.DSMT4">
                   <p:embed/>
                 </p:oleObj>
               </mc:Choice>
@@ -9209,7 +9152,7 @@
           <a:graphicData uri="http://schemas.openxmlformats.org/presentationml/2006/ole">
             <mc:AlternateContent xmlns:mc="http://schemas.openxmlformats.org/markup-compatibility/2006">
               <mc:Choice xmlns:v="urn:schemas-microsoft-com:vml" Requires="v">
-                <p:oleObj spid="_x0000_s190496" name="Equation" r:id="rId6" imgW="6451560" imgH="711000" progId="Equation.DSMT4">
+                <p:oleObj spid="_x0000_s190500" name="Equation" r:id="rId6" imgW="6451560" imgH="711000" progId="Equation.DSMT4">
                   <p:embed/>
                 </p:oleObj>
               </mc:Choice>
@@ -9279,7 +9222,7 @@
           <a:graphicData uri="http://schemas.openxmlformats.org/presentationml/2006/ole">
             <mc:AlternateContent xmlns:mc="http://schemas.openxmlformats.org/markup-compatibility/2006">
               <mc:Choice xmlns:v="urn:schemas-microsoft-com:vml" Requires="v">
-                <p:oleObj spid="_x0000_s190497" name="Equation" r:id="rId8" imgW="5321160" imgH="1346040" progId="Equation.DSMT4">
+                <p:oleObj spid="_x0000_s190501" name="Equation" r:id="rId8" imgW="5321160" imgH="1346040" progId="Equation.DSMT4">
                   <p:embed/>
                 </p:oleObj>
               </mc:Choice>
@@ -9533,7 +9476,24 @@
                 <a:ea typeface="+mn-ea"/>
                 <a:cs typeface="+mn-cs"/>
               </a:rPr>
-              <a:t> 13M.</a:t>
+              <a:t> </a:t>
+            </a:r>
+            <a:r>
+              <a:rPr kumimoji="0" lang="en-US" sz="1000" b="0" i="0" u="none" strike="noStrike" kern="1200" cap="none" spc="0" normalizeH="0" baseline="0" noProof="0" dirty="0" smtClean="0">
+                <a:ln>
+                  <a:noFill/>
+                </a:ln>
+                <a:solidFill>
+                  <a:schemeClr val="tx1"/>
+                </a:solidFill>
+                <a:effectLst/>
+                <a:uLnTx/>
+                <a:uFillTx/>
+                <a:latin typeface="Comic Sans MS" pitchFamily="66" charset="0"/>
+                <a:ea typeface="+mn-ea"/>
+                <a:cs typeface="+mn-cs"/>
+              </a:rPr>
+              <a:t>11M.</a:t>
             </a:r>
             <a:fld id="{17233D2A-0857-4415-88C1-423492E69A26}" type="slidenum">
               <a:rPr kumimoji="0" lang="en-US" sz="1000" b="0" i="0" u="none" strike="noStrike" kern="1200" cap="none" spc="0" normalizeH="0" baseline="0" noProof="0" smtClean="0">
@@ -9602,7 +9562,7 @@
           <a:graphicData uri="http://schemas.openxmlformats.org/presentationml/2006/ole">
             <mc:AlternateContent xmlns:mc="http://schemas.openxmlformats.org/markup-compatibility/2006">
               <mc:Choice xmlns:v="urn:schemas-microsoft-com:vml" Requires="v">
-                <p:oleObj spid="_x0000_s40982" name="Equation" r:id="rId4" imgW="5511600" imgH="1523880" progId="Equation.DSMT4">
+                <p:oleObj spid="_x0000_s40985" name="Equation" r:id="rId4" imgW="5511600" imgH="1523880" progId="Equation.DSMT4">
                   <p:embed/>
                 </p:oleObj>
               </mc:Choice>
@@ -9710,7 +9670,7 @@
           <a:graphicData uri="http://schemas.openxmlformats.org/presentationml/2006/ole">
             <mc:AlternateContent xmlns:mc="http://schemas.openxmlformats.org/markup-compatibility/2006">
               <mc:Choice xmlns:v="urn:schemas-microsoft-com:vml" Requires="v">
-                <p:oleObj spid="_x0000_s40983" name="Equation" r:id="rId6" imgW="6883400" imgH="2184400" progId="Equation.DSMT4">
+                <p:oleObj spid="_x0000_s40986" name="Equation" r:id="rId6" imgW="6883400" imgH="2184400" progId="Equation.DSMT4">
                   <p:embed/>
                 </p:oleObj>
               </mc:Choice>
@@ -10077,7 +10037,24 @@
                 <a:ea typeface="+mn-ea"/>
                 <a:cs typeface="+mn-cs"/>
               </a:rPr>
-              <a:t> 13M.</a:t>
+              <a:t> </a:t>
+            </a:r>
+            <a:r>
+              <a:rPr kumimoji="0" lang="en-US" sz="1000" b="0" i="0" u="none" strike="noStrike" kern="1200" cap="none" spc="0" normalizeH="0" baseline="0" noProof="0" dirty="0" smtClean="0">
+                <a:ln>
+                  <a:noFill/>
+                </a:ln>
+                <a:solidFill>
+                  <a:schemeClr val="tx1"/>
+                </a:solidFill>
+                <a:effectLst/>
+                <a:uLnTx/>
+                <a:uFillTx/>
+                <a:latin typeface="Comic Sans MS" pitchFamily="66" charset="0"/>
+                <a:ea typeface="+mn-ea"/>
+                <a:cs typeface="+mn-cs"/>
+              </a:rPr>
+              <a:t>11M.</a:t>
             </a:r>
             <a:fld id="{17233D2A-0857-4415-88C1-423492E69A26}" type="slidenum">
               <a:rPr kumimoji="0" lang="en-US" sz="1000" b="0" i="0" u="none" strike="noStrike" kern="1200" cap="none" spc="0" normalizeH="0" baseline="0" noProof="0" smtClean="0">
@@ -10146,7 +10123,7 @@
           <a:graphicData uri="http://schemas.openxmlformats.org/presentationml/2006/ole">
             <mc:AlternateContent xmlns:mc="http://schemas.openxmlformats.org/markup-compatibility/2006">
               <mc:Choice xmlns:v="urn:schemas-microsoft-com:vml" Requires="v">
-                <p:oleObj spid="_x0000_s66588" name="Equation" r:id="rId4" imgW="5689600" imgH="1092200" progId="Equation.DSMT4">
+                <p:oleObj spid="_x0000_s66591" name="Equation" r:id="rId4" imgW="5689600" imgH="1092200" progId="Equation.DSMT4">
                   <p:embed/>
                 </p:oleObj>
               </mc:Choice>
@@ -10270,7 +10247,7 @@
           <a:graphicData uri="http://schemas.openxmlformats.org/presentationml/2006/ole">
             <mc:AlternateContent xmlns:mc="http://schemas.openxmlformats.org/markup-compatibility/2006">
               <mc:Choice xmlns:v="urn:schemas-microsoft-com:vml" Requires="v">
-                <p:oleObj spid="_x0000_s66589" name="Equation" r:id="rId6" imgW="5219640" imgH="1460160" progId="Equation.DSMT4">
+                <p:oleObj spid="_x0000_s66592" name="Equation" r:id="rId6" imgW="5219640" imgH="1460160" progId="Equation.DSMT4">
                   <p:embed/>
                 </p:oleObj>
               </mc:Choice>
@@ -10654,7 +10631,24 @@
                 <a:ea typeface="+mn-ea"/>
                 <a:cs typeface="+mn-cs"/>
               </a:rPr>
-              <a:t> 13M.</a:t>
+              <a:t> </a:t>
+            </a:r>
+            <a:r>
+              <a:rPr kumimoji="0" lang="en-US" sz="1000" b="0" i="0" u="none" strike="noStrike" kern="1200" cap="none" spc="0" normalizeH="0" baseline="0" noProof="0" dirty="0" smtClean="0">
+                <a:ln>
+                  <a:noFill/>
+                </a:ln>
+                <a:solidFill>
+                  <a:schemeClr val="tx1"/>
+                </a:solidFill>
+                <a:effectLst/>
+                <a:uLnTx/>
+                <a:uFillTx/>
+                <a:latin typeface="Comic Sans MS" pitchFamily="66" charset="0"/>
+                <a:ea typeface="+mn-ea"/>
+                <a:cs typeface="+mn-cs"/>
+              </a:rPr>
+              <a:t>11M.</a:t>
             </a:r>
             <a:fld id="{17233D2A-0857-4415-88C1-423492E69A26}" type="slidenum">
               <a:rPr kumimoji="0" lang="en-US" sz="1000" b="0" i="0" u="none" strike="noStrike" kern="1200" cap="none" spc="0" normalizeH="0" baseline="0" noProof="0" smtClean="0">
@@ -10723,7 +10717,7 @@
           <a:graphicData uri="http://schemas.openxmlformats.org/presentationml/2006/ole">
             <mc:AlternateContent xmlns:mc="http://schemas.openxmlformats.org/markup-compatibility/2006">
               <mc:Choice xmlns:v="urn:schemas-microsoft-com:vml" Requires="v">
-                <p:oleObj spid="_x0000_s67617" name="Equation" r:id="rId4" imgW="7289800" imgH="1625600" progId="Equation.DSMT4">
+                <p:oleObj spid="_x0000_s67621" name="Equation" r:id="rId4" imgW="7289800" imgH="1625600" progId="Equation.DSMT4">
                   <p:embed/>
                 </p:oleObj>
               </mc:Choice>
@@ -10793,7 +10787,7 @@
           <a:graphicData uri="http://schemas.openxmlformats.org/presentationml/2006/ole">
             <mc:AlternateContent xmlns:mc="http://schemas.openxmlformats.org/markup-compatibility/2006">
               <mc:Choice xmlns:v="urn:schemas-microsoft-com:vml" Requires="v">
-                <p:oleObj spid="_x0000_s67618" name="Equation" r:id="rId6" imgW="5905500" imgH="889000" progId="Equation.DSMT4">
+                <p:oleObj spid="_x0000_s67622" name="Equation" r:id="rId6" imgW="5905500" imgH="889000" progId="Equation.DSMT4">
                   <p:embed/>
                 </p:oleObj>
               </mc:Choice>
@@ -10983,7 +10977,7 @@
             <a:graphicData uri="http://schemas.openxmlformats.org/presentationml/2006/ole">
               <mc:AlternateContent xmlns:mc="http://schemas.openxmlformats.org/markup-compatibility/2006">
                 <mc:Choice xmlns:v="urn:schemas-microsoft-com:vml" Requires="v">
-                  <p:oleObj spid="_x0000_s67619" name="Equation" r:id="rId8" imgW="2768600" imgH="571500" progId="Equation.DSMT4">
+                  <p:oleObj spid="_x0000_s67623" name="Equation" r:id="rId8" imgW="2768600" imgH="571500" progId="Equation.DSMT4">
                     <p:embed/>
                   </p:oleObj>
                 </mc:Choice>
@@ -11444,7 +11438,11 @@
             </a:r>
             <a:r>
               <a:rPr lang="en-US" dirty="0" smtClean="0"/>
-              <a:t> 13M.</a:t>
+              <a:t> </a:t>
+            </a:r>
+            <a:r>
+              <a:rPr lang="en-US" dirty="0" smtClean="0"/>
+              <a:t>11M.</a:t>
             </a:r>
             <a:fld id="{17233D2A-0857-4415-88C1-423492E69A26}" type="slidenum">
               <a:rPr lang="en-US" smtClean="0"/>
@@ -11509,7 +11507,7 @@
           <a:graphicData uri="http://schemas.openxmlformats.org/presentationml/2006/ole">
             <mc:AlternateContent xmlns:mc="http://schemas.openxmlformats.org/markup-compatibility/2006">
               <mc:Choice xmlns:v="urn:schemas-microsoft-com:vml" Requires="v">
-                <p:oleObj spid="_x0000_s185378" name="Equation" r:id="rId4" imgW="3035300" imgH="342900" progId="Equation.3">
+                <p:oleObj spid="_x0000_s185382" name="Equation" r:id="rId4" imgW="3035300" imgH="342900" progId="Equation.3">
                   <p:embed/>
                 </p:oleObj>
               </mc:Choice>
@@ -11579,7 +11577,7 @@
           <a:graphicData uri="http://schemas.openxmlformats.org/presentationml/2006/ole">
             <mc:AlternateContent xmlns:mc="http://schemas.openxmlformats.org/markup-compatibility/2006">
               <mc:Choice xmlns:v="urn:schemas-microsoft-com:vml" Requires="v">
-                <p:oleObj spid="_x0000_s185379" name="Equation" r:id="rId6" imgW="2603500" imgH="342900" progId="Equation.3">
+                <p:oleObj spid="_x0000_s185383" name="Equation" r:id="rId6" imgW="2603500" imgH="342900" progId="Equation.3">
                   <p:embed/>
                 </p:oleObj>
               </mc:Choice>
@@ -11649,7 +11647,7 @@
           <a:graphicData uri="http://schemas.openxmlformats.org/presentationml/2006/ole">
             <mc:AlternateContent xmlns:mc="http://schemas.openxmlformats.org/markup-compatibility/2006">
               <mc:Choice xmlns:v="urn:schemas-microsoft-com:vml" Requires="v">
-                <p:oleObj spid="_x0000_s185380" name="Equation" r:id="rId8" imgW="2692400" imgH="342900" progId="Equation.3">
+                <p:oleObj spid="_x0000_s185384" name="Equation" r:id="rId8" imgW="2692400" imgH="342900" progId="Equation.3">
                   <p:embed/>
                 </p:oleObj>
               </mc:Choice>
@@ -12024,7 +12022,24 @@
                 <a:ea typeface="+mn-ea"/>
                 <a:cs typeface="+mn-cs"/>
               </a:rPr>
-              <a:t> 13M.</a:t>
+              <a:t> </a:t>
+            </a:r>
+            <a:r>
+              <a:rPr kumimoji="0" lang="en-US" sz="1000" b="0" i="0" u="none" strike="noStrike" kern="1200" cap="none" spc="0" normalizeH="0" baseline="0" noProof="0" dirty="0" smtClean="0">
+                <a:ln>
+                  <a:noFill/>
+                </a:ln>
+                <a:solidFill>
+                  <a:schemeClr val="tx1"/>
+                </a:solidFill>
+                <a:effectLst/>
+                <a:uLnTx/>
+                <a:uFillTx/>
+                <a:latin typeface="Comic Sans MS" pitchFamily="66" charset="0"/>
+                <a:ea typeface="+mn-ea"/>
+                <a:cs typeface="+mn-cs"/>
+              </a:rPr>
+              <a:t>11M.</a:t>
             </a:r>
             <a:fld id="{17233D2A-0857-4415-88C1-423492E69A26}" type="slidenum">
               <a:rPr kumimoji="0" lang="en-US" sz="1000" b="0" i="0" u="none" strike="noStrike" kern="1200" cap="none" spc="0" normalizeH="0" baseline="0" noProof="0" smtClean="0">
@@ -12093,7 +12108,7 @@
           <a:graphicData uri="http://schemas.openxmlformats.org/presentationml/2006/ole">
             <mc:AlternateContent xmlns:mc="http://schemas.openxmlformats.org/markup-compatibility/2006">
               <mc:Choice xmlns:v="urn:schemas-microsoft-com:vml" Requires="v">
-                <p:oleObj spid="_x0000_s109585" name="Equation" r:id="rId4" imgW="6832600" imgH="3098800" progId="Equation.DSMT4">
+                <p:oleObj spid="_x0000_s109587" name="Equation" r:id="rId4" imgW="6832600" imgH="3098800" progId="Equation.DSMT4">
                   <p:embed/>
                 </p:oleObj>
               </mc:Choice>
@@ -12523,7 +12538,24 @@
                 <a:ea typeface="+mn-ea"/>
                 <a:cs typeface="+mn-cs"/>
               </a:rPr>
-              <a:t> 13M.</a:t>
+              <a:t> </a:t>
+            </a:r>
+            <a:r>
+              <a:rPr kumimoji="0" lang="en-US" sz="1000" b="0" i="0" u="none" strike="noStrike" kern="1200" cap="none" spc="0" normalizeH="0" baseline="0" noProof="0" dirty="0" smtClean="0">
+                <a:ln>
+                  <a:noFill/>
+                </a:ln>
+                <a:solidFill>
+                  <a:schemeClr val="tx1"/>
+                </a:solidFill>
+                <a:effectLst/>
+                <a:uLnTx/>
+                <a:uFillTx/>
+                <a:latin typeface="Comic Sans MS" pitchFamily="66" charset="0"/>
+                <a:ea typeface="+mn-ea"/>
+                <a:cs typeface="+mn-cs"/>
+              </a:rPr>
+              <a:t>11M.</a:t>
             </a:r>
             <a:fld id="{17233D2A-0857-4415-88C1-423492E69A26}" type="slidenum">
               <a:rPr kumimoji="0" lang="en-US" sz="1000" b="0" i="0" u="none" strike="noStrike" kern="1200" cap="none" spc="0" normalizeH="0" baseline="0" noProof="0" smtClean="0">
@@ -12592,7 +12624,7 @@
           <a:graphicData uri="http://schemas.openxmlformats.org/presentationml/2006/ole">
             <mc:AlternateContent xmlns:mc="http://schemas.openxmlformats.org/markup-compatibility/2006">
               <mc:Choice xmlns:v="urn:schemas-microsoft-com:vml" Requires="v">
-                <p:oleObj spid="_x0000_s301088" name="Equation" r:id="rId4" imgW="6832600" imgH="3098800" progId="Equation.DSMT4">
+                <p:oleObj spid="_x0000_s301092" name="Equation" r:id="rId4" imgW="6832600" imgH="3098800" progId="Equation.DSMT4">
                   <p:embed/>
                 </p:oleObj>
               </mc:Choice>
@@ -12662,7 +12694,7 @@
           <a:graphicData uri="http://schemas.openxmlformats.org/presentationml/2006/ole">
             <mc:AlternateContent xmlns:mc="http://schemas.openxmlformats.org/markup-compatibility/2006">
               <mc:Choice xmlns:v="urn:schemas-microsoft-com:vml" Requires="v">
-                <p:oleObj spid="_x0000_s301089" name="Equation" r:id="rId6" imgW="1739900" imgH="1600200" progId="Equation.DSMT4">
+                <p:oleObj spid="_x0000_s301093" name="Equation" r:id="rId6" imgW="1739900" imgH="1600200" progId="Equation.DSMT4">
                   <p:embed/>
                 </p:oleObj>
               </mc:Choice>
@@ -12732,7 +12764,7 @@
           <a:graphicData uri="http://schemas.openxmlformats.org/presentationml/2006/ole">
             <mc:AlternateContent xmlns:mc="http://schemas.openxmlformats.org/markup-compatibility/2006">
               <mc:Choice xmlns:v="urn:schemas-microsoft-com:vml" Requires="v">
-                <p:oleObj spid="_x0000_s301090" name="Equation" r:id="rId8" imgW="1346200" imgH="1600200" progId="Equation.DSMT4">
+                <p:oleObj spid="_x0000_s301094" name="Equation" r:id="rId8" imgW="1346200" imgH="1600200" progId="Equation.DSMT4">
                   <p:embed/>
                 </p:oleObj>
               </mc:Choice>
@@ -13116,7 +13148,24 @@
                 <a:ea typeface="+mn-ea"/>
                 <a:cs typeface="+mn-cs"/>
               </a:rPr>
-              <a:t> 13M.</a:t>
+              <a:t> </a:t>
+            </a:r>
+            <a:r>
+              <a:rPr kumimoji="0" lang="en-US" sz="1000" b="0" i="0" u="none" strike="noStrike" kern="1200" cap="none" spc="0" normalizeH="0" baseline="0" noProof="0" dirty="0" smtClean="0">
+                <a:ln>
+                  <a:noFill/>
+                </a:ln>
+                <a:solidFill>
+                  <a:schemeClr val="tx1"/>
+                </a:solidFill>
+                <a:effectLst/>
+                <a:uLnTx/>
+                <a:uFillTx/>
+                <a:latin typeface="Comic Sans MS" pitchFamily="66" charset="0"/>
+                <a:ea typeface="+mn-ea"/>
+                <a:cs typeface="+mn-cs"/>
+              </a:rPr>
+              <a:t>11M.</a:t>
             </a:r>
             <a:fld id="{17233D2A-0857-4415-88C1-423492E69A26}" type="slidenum">
               <a:rPr kumimoji="0" lang="en-US" sz="1000" b="0" i="0" u="none" strike="noStrike" kern="1200" cap="none" spc="0" normalizeH="0" baseline="0" noProof="0" smtClean="0">
@@ -13290,7 +13339,7 @@
           <a:graphicData uri="http://schemas.openxmlformats.org/presentationml/2006/ole">
             <mc:AlternateContent xmlns:mc="http://schemas.openxmlformats.org/markup-compatibility/2006">
               <mc:Choice xmlns:v="urn:schemas-microsoft-com:vml" Requires="v">
-                <p:oleObj spid="_x0000_s299040" name="Equation" r:id="rId4" imgW="6832600" imgH="3098800" progId="Equation.DSMT4">
+                <p:oleObj spid="_x0000_s299044" name="Equation" r:id="rId4" imgW="6832600" imgH="3098800" progId="Equation.DSMT4">
                   <p:embed/>
                 </p:oleObj>
               </mc:Choice>
@@ -13360,7 +13409,7 @@
           <a:graphicData uri="http://schemas.openxmlformats.org/presentationml/2006/ole">
             <mc:AlternateContent xmlns:mc="http://schemas.openxmlformats.org/markup-compatibility/2006">
               <mc:Choice xmlns:v="urn:schemas-microsoft-com:vml" Requires="v">
-                <p:oleObj spid="_x0000_s299041" name="Equation" r:id="rId6" imgW="2387600" imgH="2527300" progId="Equation.DSMT4">
+                <p:oleObj spid="_x0000_s299045" name="Equation" r:id="rId6" imgW="2387600" imgH="2527300" progId="Equation.DSMT4">
                   <p:embed/>
                 </p:oleObj>
               </mc:Choice>
@@ -13430,7 +13479,7 @@
           <a:graphicData uri="http://schemas.openxmlformats.org/presentationml/2006/ole">
             <mc:AlternateContent xmlns:mc="http://schemas.openxmlformats.org/markup-compatibility/2006">
               <mc:Choice xmlns:v="urn:schemas-microsoft-com:vml" Requires="v">
-                <p:oleObj spid="_x0000_s299042" name="Equation" r:id="rId8" imgW="1346200" imgH="1600200" progId="Equation.DSMT4">
+                <p:oleObj spid="_x0000_s299046" name="Equation" r:id="rId8" imgW="1346200" imgH="1600200" progId="Equation.DSMT4">
                   <p:embed/>
                 </p:oleObj>
               </mc:Choice>
@@ -13759,7 +13808,24 @@
                 <a:ea typeface="+mn-ea"/>
                 <a:cs typeface="+mn-cs"/>
               </a:rPr>
-              <a:t> 13M.</a:t>
+              <a:t> </a:t>
+            </a:r>
+            <a:r>
+              <a:rPr kumimoji="0" lang="en-US" sz="1000" b="0" i="0" u="none" strike="noStrike" kern="1200" cap="none" spc="0" normalizeH="0" baseline="0" noProof="0" dirty="0" smtClean="0">
+                <a:ln>
+                  <a:noFill/>
+                </a:ln>
+                <a:solidFill>
+                  <a:schemeClr val="tx1"/>
+                </a:solidFill>
+                <a:effectLst/>
+                <a:uLnTx/>
+                <a:uFillTx/>
+                <a:latin typeface="Comic Sans MS" pitchFamily="66" charset="0"/>
+                <a:ea typeface="+mn-ea"/>
+                <a:cs typeface="+mn-cs"/>
+              </a:rPr>
+              <a:t>11M.</a:t>
             </a:r>
             <a:fld id="{17233D2A-0857-4415-88C1-423492E69A26}" type="slidenum">
               <a:rPr kumimoji="0" lang="en-US" sz="1000" b="0" i="0" u="none" strike="noStrike" kern="1200" cap="none" spc="0" normalizeH="0" baseline="0" noProof="0" smtClean="0">
@@ -13828,7 +13894,7 @@
           <a:graphicData uri="http://schemas.openxmlformats.org/presentationml/2006/ole">
             <mc:AlternateContent xmlns:mc="http://schemas.openxmlformats.org/markup-compatibility/2006">
               <mc:Choice xmlns:v="urn:schemas-microsoft-com:vml" Requires="v">
-                <p:oleObj spid="_x0000_s70682" name="Equation" r:id="rId4" imgW="5626100" imgH="2120900" progId="Equation.DSMT4">
+                <p:oleObj spid="_x0000_s70685" name="Equation" r:id="rId4" imgW="5626100" imgH="2120900" progId="Equation.DSMT4">
                   <p:embed/>
                 </p:oleObj>
               </mc:Choice>
@@ -13934,7 +14000,7 @@
           <a:graphicData uri="http://schemas.openxmlformats.org/presentationml/2006/ole">
             <mc:AlternateContent xmlns:mc="http://schemas.openxmlformats.org/markup-compatibility/2006">
               <mc:Choice xmlns:v="urn:schemas-microsoft-com:vml" Requires="v">
-                <p:oleObj spid="_x0000_s70683" name="Equation" r:id="rId6" imgW="3136680" imgH="1066680" progId="Equation.DSMT4">
+                <p:oleObj spid="_x0000_s70686" name="Equation" r:id="rId6" imgW="3136680" imgH="1066680" progId="Equation.DSMT4">
                   <p:embed/>
                 </p:oleObj>
               </mc:Choice>
@@ -14280,7 +14346,24 @@
                 <a:ea typeface="+mn-ea"/>
                 <a:cs typeface="+mn-cs"/>
               </a:rPr>
-              <a:t> 13M.</a:t>
+              <a:t> </a:t>
+            </a:r>
+            <a:r>
+              <a:rPr kumimoji="0" lang="en-US" sz="1000" b="0" i="0" u="none" strike="noStrike" kern="1200" cap="none" spc="0" normalizeH="0" baseline="0" noProof="0" dirty="0" smtClean="0">
+                <a:ln>
+                  <a:noFill/>
+                </a:ln>
+                <a:solidFill>
+                  <a:schemeClr val="tx1"/>
+                </a:solidFill>
+                <a:effectLst/>
+                <a:uLnTx/>
+                <a:uFillTx/>
+                <a:latin typeface="Comic Sans MS" pitchFamily="66" charset="0"/>
+                <a:ea typeface="+mn-ea"/>
+                <a:cs typeface="+mn-cs"/>
+              </a:rPr>
+              <a:t>11M.</a:t>
             </a:r>
             <a:fld id="{17233D2A-0857-4415-88C1-423492E69A26}" type="slidenum">
               <a:rPr kumimoji="0" lang="en-US" sz="1000" b="0" i="0" u="none" strike="noStrike" kern="1200" cap="none" spc="0" normalizeH="0" baseline="0" noProof="0" smtClean="0">
@@ -14349,7 +14432,7 @@
           <a:graphicData uri="http://schemas.openxmlformats.org/presentationml/2006/ole">
             <mc:AlternateContent xmlns:mc="http://schemas.openxmlformats.org/markup-compatibility/2006">
               <mc:Choice xmlns:v="urn:schemas-microsoft-com:vml" Requires="v">
-                <p:oleObj spid="_x0000_s303119" name="Equation" r:id="rId4" imgW="6184900" imgH="2692400" progId="Equation.DSMT4">
+                <p:oleObj spid="_x0000_s303121" name="Equation" r:id="rId4" imgW="6184900" imgH="2692400" progId="Equation.DSMT4">
                   <p:embed/>
                 </p:oleObj>
               </mc:Choice>
@@ -14914,7 +14997,24 @@
                 <a:ea typeface="+mn-ea"/>
                 <a:cs typeface="+mn-cs"/>
               </a:rPr>
-              <a:t> 13M.</a:t>
+              <a:t> </a:t>
+            </a:r>
+            <a:r>
+              <a:rPr kumimoji="0" lang="en-US" sz="1000" b="0" i="0" u="none" strike="noStrike" kern="1200" cap="none" spc="0" normalizeH="0" baseline="0" noProof="0" dirty="0" smtClean="0">
+                <a:ln>
+                  <a:noFill/>
+                </a:ln>
+                <a:solidFill>
+                  <a:schemeClr val="tx1"/>
+                </a:solidFill>
+                <a:effectLst/>
+                <a:uLnTx/>
+                <a:uFillTx/>
+                <a:latin typeface="Comic Sans MS" pitchFamily="66" charset="0"/>
+                <a:ea typeface="+mn-ea"/>
+                <a:cs typeface="+mn-cs"/>
+              </a:rPr>
+              <a:t>11M.</a:t>
             </a:r>
             <a:fld id="{17233D2A-0857-4415-88C1-423492E69A26}" type="slidenum">
               <a:rPr kumimoji="0" lang="en-US" sz="1000" b="0" i="0" u="none" strike="noStrike" kern="1200" cap="none" spc="0" normalizeH="0" baseline="0" noProof="0" smtClean="0">
@@ -14997,7 +15097,7 @@
             <a:graphicData uri="http://schemas.openxmlformats.org/presentationml/2006/ole">
               <mc:AlternateContent xmlns:mc="http://schemas.openxmlformats.org/markup-compatibility/2006">
                 <mc:Choice xmlns:v="urn:schemas-microsoft-com:vml" Requires="v">
-                  <p:oleObj spid="_x0000_s278543" name="Equation" r:id="rId6" imgW="215900" imgH="330200" progId="Equation.DSMT4">
+                  <p:oleObj spid="_x0000_s278545" name="Equation" r:id="rId6" imgW="215900" imgH="330200" progId="Equation.DSMT4">
                     <p:embed/>
                   </p:oleObj>
                 </mc:Choice>
@@ -15816,7 +15916,24 @@
                 <a:ea typeface="+mn-ea"/>
                 <a:cs typeface="+mn-cs"/>
               </a:rPr>
-              <a:t> 13M.</a:t>
+              <a:t> </a:t>
+            </a:r>
+            <a:r>
+              <a:rPr kumimoji="0" lang="en-US" sz="1000" b="0" i="0" u="none" strike="noStrike" kern="1200" cap="none" spc="0" normalizeH="0" baseline="0" noProof="0" dirty="0" smtClean="0">
+                <a:ln>
+                  <a:noFill/>
+                </a:ln>
+                <a:solidFill>
+                  <a:schemeClr val="tx1"/>
+                </a:solidFill>
+                <a:effectLst/>
+                <a:uLnTx/>
+                <a:uFillTx/>
+                <a:latin typeface="Comic Sans MS" pitchFamily="66" charset="0"/>
+                <a:ea typeface="+mn-ea"/>
+                <a:cs typeface="+mn-cs"/>
+              </a:rPr>
+              <a:t>11M.</a:t>
             </a:r>
             <a:fld id="{17233D2A-0857-4415-88C1-423492E69A26}" type="slidenum">
               <a:rPr kumimoji="0" lang="en-US" sz="1000" b="0" i="0" u="none" strike="noStrike" kern="1200" cap="none" spc="0" normalizeH="0" baseline="0" noProof="0" smtClean="0">
@@ -16263,7 +16380,24 @@
                 <a:ea typeface="+mn-ea"/>
                 <a:cs typeface="+mn-cs"/>
               </a:rPr>
-              <a:t> 13M.</a:t>
+              <a:t> </a:t>
+            </a:r>
+            <a:r>
+              <a:rPr kumimoji="0" lang="en-US" sz="1000" b="0" i="0" u="none" strike="noStrike" kern="1200" cap="none" spc="0" normalizeH="0" baseline="0" noProof="0" dirty="0" smtClean="0">
+                <a:ln>
+                  <a:noFill/>
+                </a:ln>
+                <a:solidFill>
+                  <a:schemeClr val="tx1"/>
+                </a:solidFill>
+                <a:effectLst/>
+                <a:uLnTx/>
+                <a:uFillTx/>
+                <a:latin typeface="Comic Sans MS" pitchFamily="66" charset="0"/>
+                <a:ea typeface="+mn-ea"/>
+                <a:cs typeface="+mn-cs"/>
+              </a:rPr>
+              <a:t>11M.</a:t>
             </a:r>
             <a:fld id="{17233D2A-0857-4415-88C1-423492E69A26}" type="slidenum">
               <a:rPr kumimoji="0" lang="en-US" sz="1000" b="0" i="0" u="none" strike="noStrike" kern="1200" cap="none" spc="0" normalizeH="0" baseline="0" noProof="0" smtClean="0">
@@ -16503,7 +16637,7 @@
           <a:graphicData uri="http://schemas.openxmlformats.org/presentationml/2006/ole">
             <mc:AlternateContent xmlns:mc="http://schemas.openxmlformats.org/markup-compatibility/2006">
               <mc:Choice xmlns:v="urn:schemas-microsoft-com:vml" Requires="v">
-                <p:oleObj spid="_x0000_s192557" name="Equation" r:id="rId4" imgW="8280400" imgH="850900" progId="Equation.DSMT4">
+                <p:oleObj spid="_x0000_s192562" name="Equation" r:id="rId4" imgW="8280400" imgH="850900" progId="Equation.DSMT4">
                   <p:embed/>
                 </p:oleObj>
               </mc:Choice>
@@ -16661,7 +16795,24 @@
                 <a:ea typeface="+mn-ea"/>
                 <a:cs typeface="+mn-cs"/>
               </a:rPr>
-              <a:t> 13M.</a:t>
+              <a:t> </a:t>
+            </a:r>
+            <a:r>
+              <a:rPr kumimoji="0" lang="en-US" sz="1000" b="0" i="0" u="none" strike="noStrike" kern="1200" cap="none" spc="0" normalizeH="0" baseline="0" noProof="0" dirty="0" smtClean="0">
+                <a:ln>
+                  <a:noFill/>
+                </a:ln>
+                <a:solidFill>
+                  <a:schemeClr val="tx1"/>
+                </a:solidFill>
+                <a:effectLst/>
+                <a:uLnTx/>
+                <a:uFillTx/>
+                <a:latin typeface="Comic Sans MS" pitchFamily="66" charset="0"/>
+                <a:ea typeface="+mn-ea"/>
+                <a:cs typeface="+mn-cs"/>
+              </a:rPr>
+              <a:t>11M.</a:t>
             </a:r>
             <a:fld id="{17233D2A-0857-4415-88C1-423492E69A26}" type="slidenum">
               <a:rPr kumimoji="0" lang="en-US" sz="1000" b="0" i="0" u="none" strike="noStrike" kern="1200" cap="none" spc="0" normalizeH="0" baseline="0" noProof="0" smtClean="0">
@@ -16730,7 +16881,7 @@
           <a:graphicData uri="http://schemas.openxmlformats.org/presentationml/2006/ole">
             <mc:AlternateContent xmlns:mc="http://schemas.openxmlformats.org/markup-compatibility/2006">
               <mc:Choice xmlns:v="urn:schemas-microsoft-com:vml" Requires="v">
-                <p:oleObj spid="_x0000_s192558" name="Equation" r:id="rId6" imgW="7988300" imgH="863600" progId="Equation.DSMT4">
+                <p:oleObj spid="_x0000_s192563" name="Equation" r:id="rId6" imgW="7988300" imgH="863600" progId="Equation.DSMT4">
                   <p:embed/>
                 </p:oleObj>
               </mc:Choice>
@@ -16831,7 +16982,7 @@
           <a:graphicData uri="http://schemas.openxmlformats.org/presentationml/2006/ole">
             <mc:AlternateContent xmlns:mc="http://schemas.openxmlformats.org/markup-compatibility/2006">
               <mc:Choice xmlns:v="urn:schemas-microsoft-com:vml" Requires="v">
-                <p:oleObj spid="_x0000_s192559" name="Equation" r:id="rId8" imgW="8178480" imgH="685800" progId="Equation.DSMT4">
+                <p:oleObj spid="_x0000_s192564" name="Equation" r:id="rId8" imgW="8178480" imgH="685800" progId="Equation.DSMT4">
                   <p:embed/>
                 </p:oleObj>
               </mc:Choice>
@@ -17102,7 +17253,7 @@
           <a:graphicData uri="http://schemas.openxmlformats.org/presentationml/2006/ole">
             <mc:AlternateContent xmlns:mc="http://schemas.openxmlformats.org/markup-compatibility/2006">
               <mc:Choice xmlns:v="urn:schemas-microsoft-com:vml" Requires="v">
-                <p:oleObj spid="_x0000_s192560" name="Equation" r:id="rId10" imgW="7708900" imgH="774700" progId="Equation.DSMT4">
+                <p:oleObj spid="_x0000_s192565" name="Equation" r:id="rId10" imgW="7708900" imgH="774700" progId="Equation.DSMT4">
                   <p:embed/>
                 </p:oleObj>
               </mc:Choice>
@@ -17712,7 +17863,24 @@
                 <a:ea typeface="+mn-ea"/>
                 <a:cs typeface="+mn-cs"/>
               </a:rPr>
-              <a:t> 13M.</a:t>
+              <a:t> </a:t>
+            </a:r>
+            <a:r>
+              <a:rPr kumimoji="0" lang="en-US" sz="1000" b="0" i="0" u="none" strike="noStrike" kern="1200" cap="none" spc="0" normalizeH="0" baseline="0" noProof="0" dirty="0" smtClean="0">
+                <a:ln>
+                  <a:noFill/>
+                </a:ln>
+                <a:solidFill>
+                  <a:schemeClr val="tx1"/>
+                </a:solidFill>
+                <a:effectLst/>
+                <a:uLnTx/>
+                <a:uFillTx/>
+                <a:latin typeface="Comic Sans MS" pitchFamily="66" charset="0"/>
+                <a:ea typeface="+mn-ea"/>
+                <a:cs typeface="+mn-cs"/>
+              </a:rPr>
+              <a:t>11M.</a:t>
             </a:r>
             <a:fld id="{17233D2A-0857-4415-88C1-423492E69A26}" type="slidenum">
               <a:rPr kumimoji="0" lang="en-US" sz="1000" b="0" i="0" u="none" strike="noStrike" kern="1200" cap="none" spc="0" normalizeH="0" baseline="0" noProof="0" smtClean="0">
@@ -17781,7 +17949,7 @@
           <a:graphicData uri="http://schemas.openxmlformats.org/presentationml/2006/ole">
             <mc:AlternateContent xmlns:mc="http://schemas.openxmlformats.org/markup-compatibility/2006">
               <mc:Choice xmlns:v="urn:schemas-microsoft-com:vml" Requires="v">
-                <p:oleObj spid="_x0000_s113688" name="Equation" r:id="rId4" imgW="5257800" imgH="1434960" progId="Equation.DSMT4">
+                <p:oleObj spid="_x0000_s113691" name="Equation" r:id="rId4" imgW="5257800" imgH="1434960" progId="Equation.DSMT4">
                   <p:embed/>
                 </p:oleObj>
               </mc:Choice>
@@ -17889,7 +18057,7 @@
           <a:graphicData uri="http://schemas.openxmlformats.org/presentationml/2006/ole">
             <mc:AlternateContent xmlns:mc="http://schemas.openxmlformats.org/markup-compatibility/2006">
               <mc:Choice xmlns:v="urn:schemas-microsoft-com:vml" Requires="v">
-                <p:oleObj spid="_x0000_s113689" name="Equation" r:id="rId6" imgW="5638680" imgH="736560" progId="Equation.DSMT4">
+                <p:oleObj spid="_x0000_s113692" name="Equation" r:id="rId6" imgW="5638680" imgH="736560" progId="Equation.DSMT4">
                   <p:embed/>
                 </p:oleObj>
               </mc:Choice>
@@ -18208,7 +18376,11 @@
             </a:r>
             <a:r>
               <a:rPr lang="en-US" dirty="0" smtClean="0"/>
-              <a:t> 13M.</a:t>
+              <a:t> </a:t>
+            </a:r>
+            <a:r>
+              <a:rPr lang="en-US" dirty="0" smtClean="0"/>
+              <a:t>11M.</a:t>
             </a:r>
             <a:fld id="{17233D2A-0857-4415-88C1-423492E69A26}" type="slidenum">
               <a:rPr lang="en-US" smtClean="0"/>
@@ -18273,7 +18445,7 @@
           <a:graphicData uri="http://schemas.openxmlformats.org/presentationml/2006/ole">
             <mc:AlternateContent xmlns:mc="http://schemas.openxmlformats.org/markup-compatibility/2006">
               <mc:Choice xmlns:v="urn:schemas-microsoft-com:vml" Requires="v">
-                <p:oleObj spid="_x0000_s187423" name="Equation" r:id="rId4" imgW="2908300" imgH="342900" progId="Equation.3">
+                <p:oleObj spid="_x0000_s187427" name="Equation" r:id="rId4" imgW="2908300" imgH="342900" progId="Equation.3">
                   <p:embed/>
                 </p:oleObj>
               </mc:Choice>
@@ -18343,7 +18515,7 @@
           <a:graphicData uri="http://schemas.openxmlformats.org/presentationml/2006/ole">
             <mc:AlternateContent xmlns:mc="http://schemas.openxmlformats.org/markup-compatibility/2006">
               <mc:Choice xmlns:v="urn:schemas-microsoft-com:vml" Requires="v">
-                <p:oleObj spid="_x0000_s187424" name="Equation" r:id="rId6" imgW="1727200" imgH="342900" progId="Equation.3">
+                <p:oleObj spid="_x0000_s187428" name="Equation" r:id="rId6" imgW="1727200" imgH="342900" progId="Equation.3">
                   <p:embed/>
                 </p:oleObj>
               </mc:Choice>
@@ -18413,7 +18585,7 @@
           <a:graphicData uri="http://schemas.openxmlformats.org/presentationml/2006/ole">
             <mc:AlternateContent xmlns:mc="http://schemas.openxmlformats.org/markup-compatibility/2006">
               <mc:Choice xmlns:v="urn:schemas-microsoft-com:vml" Requires="v">
-                <p:oleObj spid="_x0000_s187425" name="Equation" r:id="rId8" imgW="1866900" imgH="304800" progId="Equation.3">
+                <p:oleObj spid="_x0000_s187429" name="Equation" r:id="rId8" imgW="1866900" imgH="304800" progId="Equation.3">
                   <p:embed/>
                 </p:oleObj>
               </mc:Choice>
@@ -18733,7 +18905,24 @@
                 <a:ea typeface="+mn-ea"/>
                 <a:cs typeface="+mn-cs"/>
               </a:rPr>
-              <a:t> 13M.</a:t>
+              <a:t> </a:t>
+            </a:r>
+            <a:r>
+              <a:rPr kumimoji="0" lang="en-US" sz="1000" b="0" i="0" u="none" strike="noStrike" kern="1200" cap="none" spc="0" normalizeH="0" baseline="0" noProof="0" dirty="0" smtClean="0">
+                <a:ln>
+                  <a:noFill/>
+                </a:ln>
+                <a:solidFill>
+                  <a:schemeClr val="tx1"/>
+                </a:solidFill>
+                <a:effectLst/>
+                <a:uLnTx/>
+                <a:uFillTx/>
+                <a:latin typeface="Comic Sans MS" pitchFamily="66" charset="0"/>
+                <a:ea typeface="+mn-ea"/>
+                <a:cs typeface="+mn-cs"/>
+              </a:rPr>
+              <a:t>11M.</a:t>
             </a:r>
             <a:fld id="{17233D2A-0857-4415-88C1-423492E69A26}" type="slidenum">
               <a:rPr kumimoji="0" lang="en-US" sz="1000" b="0" i="0" u="none" strike="noStrike" kern="1200" cap="none" spc="0" normalizeH="0" baseline="0" noProof="0" smtClean="0">
@@ -18802,7 +18991,7 @@
           <a:graphicData uri="http://schemas.openxmlformats.org/presentationml/2006/ole">
             <mc:AlternateContent xmlns:mc="http://schemas.openxmlformats.org/markup-compatibility/2006">
               <mc:Choice xmlns:v="urn:schemas-microsoft-com:vml" Requires="v">
-                <p:oleObj spid="_x0000_s114704" name="Equation" r:id="rId4" imgW="4191000" imgH="1092200" progId="Equation.DSMT4">
+                <p:oleObj spid="_x0000_s114706" name="Equation" r:id="rId4" imgW="4191000" imgH="1092200" progId="Equation.DSMT4">
                   <p:embed/>
                 </p:oleObj>
               </mc:Choice>
@@ -19087,7 +19276,11 @@
             </a:r>
             <a:r>
               <a:rPr lang="en-US" dirty="0" smtClean="0"/>
-              <a:t> 13M.</a:t>
+              <a:t> </a:t>
+            </a:r>
+            <a:r>
+              <a:rPr lang="en-US" dirty="0" smtClean="0"/>
+              <a:t>11M.</a:t>
             </a:r>
             <a:fld id="{17233D2A-0857-4415-88C1-423492E69A26}" type="slidenum">
               <a:rPr lang="en-US" smtClean="0"/>
@@ -19116,7 +19309,7 @@
           <a:graphicData uri="http://schemas.openxmlformats.org/presentationml/2006/ole">
             <mc:AlternateContent xmlns:mc="http://schemas.openxmlformats.org/markup-compatibility/2006">
               <mc:Choice xmlns:v="urn:schemas-microsoft-com:vml" Requires="v">
-                <p:oleObj spid="_x0000_s330767" name="Equation" r:id="rId3" imgW="2095500" imgH="304800" progId="Equation.DSMT4">
+                <p:oleObj spid="_x0000_s330769" name="Equation" r:id="rId3" imgW="2095500" imgH="304800" progId="Equation.DSMT4">
                   <p:embed/>
                 </p:oleObj>
               </mc:Choice>
@@ -19668,7 +19861,11 @@
             </a:r>
             <a:r>
               <a:rPr lang="en-US" dirty="0" smtClean="0"/>
-              <a:t> 13M.</a:t>
+              <a:t> </a:t>
+            </a:r>
+            <a:r>
+              <a:rPr lang="en-US" dirty="0" smtClean="0"/>
+              <a:t>11M.</a:t>
             </a:r>
             <a:fld id="{17233D2A-0857-4415-88C1-423492E69A26}" type="slidenum">
               <a:rPr lang="en-US" smtClean="0"/>
@@ -20067,181 +20264,6 @@
 </p:sld>
 </file>
 
-<file path=ppt/slides/slide33.xml><?xml version="1.0" encoding="utf-8"?>
-<p:sld xmlns:a="http://schemas.openxmlformats.org/drawingml/2006/main" xmlns:r="http://schemas.openxmlformats.org/officeDocument/2006/relationships" xmlns:p="http://schemas.openxmlformats.org/presentationml/2006/main">
-  <p:cSld>
-    <p:spTree>
-      <p:nvGrpSpPr>
-        <p:cNvPr id="1" name=""/>
-        <p:cNvGrpSpPr/>
-        <p:nvPr/>
-      </p:nvGrpSpPr>
-      <p:grpSpPr>
-        <a:xfrm>
-          <a:off x="0" y="0"/>
-          <a:ext cx="0" cy="0"/>
-          <a:chOff x="0" y="0"/>
-          <a:chExt cx="0" cy="0"/>
-        </a:xfrm>
-      </p:grpSpPr>
-      <p:sp>
-        <p:nvSpPr>
-          <p:cNvPr id="171010" name="Text Box 2"/>
-          <p:cNvSpPr txBox="1">
-            <a:spLocks noGrp="1"/>
-          </p:cNvSpPr>
-          <p:nvPr/>
-        </p:nvSpPr>
-        <p:spPr bwMode="auto">
-          <a:xfrm>
-            <a:off x="6400800" y="6613525"/>
-            <a:ext cx="2667000" cy="244475"/>
-          </a:xfrm>
-          <a:prstGeom prst="rect">
-            <a:avLst/>
-          </a:prstGeom>
-          <a:noFill/>
-          <a:ln w="9525">
-            <a:noFill/>
-            <a:miter lim="800000"/>
-            <a:headEnd/>
-            <a:tailEnd/>
-          </a:ln>
-        </p:spPr>
-        <p:txBody>
-          <a:bodyPr>
-            <a:spAutoFit/>
-          </a:bodyPr>
-          <a:lstStyle/>
-          <a:p>
-            <a:pPr algn="r" fontAlgn="base">
-              <a:spcBef>
-                <a:spcPct val="0"/>
-              </a:spcBef>
-              <a:spcAft>
-                <a:spcPct val="0"/>
-              </a:spcAft>
-            </a:pPr>
-            <a:r>
-              <a:rPr lang="en-US" sz="1000" dirty="0" err="1" smtClean="0">
-                <a:latin typeface="Comic Sans MS" pitchFamily="66" charset="0"/>
-              </a:rPr>
-              <a:t>lec</a:t>
-            </a:r>
-            <a:r>
-              <a:rPr lang="en-US" sz="1000" dirty="0" smtClean="0">
-                <a:latin typeface="Comic Sans MS" pitchFamily="66" charset="0"/>
-              </a:rPr>
-              <a:t> 13M.34</a:t>
-            </a:r>
-            <a:endParaRPr lang="en-US" sz="1000" dirty="0">
-              <a:latin typeface="Comic Sans MS" pitchFamily="66" charset="0"/>
-            </a:endParaRPr>
-          </a:p>
-        </p:txBody>
-      </p:sp>
-      <p:sp>
-        <p:nvSpPr>
-          <p:cNvPr id="171011" name="Rectangle 3"/>
-          <p:cNvSpPr>
-            <a:spLocks noGrp="1" noChangeArrowheads="1"/>
-          </p:cNvSpPr>
-          <p:nvPr>
-            <p:ph type="title" idx="4294967295"/>
-          </p:nvPr>
-        </p:nvSpPr>
-        <p:spPr>
-          <a:xfrm>
-            <a:off x="1600200" y="304800"/>
-            <a:ext cx="7543800" cy="1143000"/>
-          </a:xfrm>
-        </p:spPr>
-        <p:txBody>
-          <a:bodyPr/>
-          <a:lstStyle/>
-          <a:p>
-            <a:pPr eaLnBrk="1" hangingPunct="1"/>
-            <a:r>
-              <a:rPr lang="en-US">
-                <a:solidFill>
-                  <a:schemeClr val="tx1"/>
-                </a:solidFill>
-              </a:rPr>
-              <a:t>Team Problems</a:t>
-            </a:r>
-          </a:p>
-        </p:txBody>
-      </p:sp>
-      <p:sp>
-        <p:nvSpPr>
-          <p:cNvPr id="5" name="TextBox 4"/>
-          <p:cNvSpPr txBox="1"/>
-          <p:nvPr/>
-        </p:nvSpPr>
-        <p:spPr>
-          <a:xfrm>
-            <a:off x="1371600" y="1905000"/>
-            <a:ext cx="6388288" cy="3012363"/>
-          </a:xfrm>
-          <a:prstGeom prst="rect">
-            <a:avLst/>
-          </a:prstGeom>
-          <a:noFill/>
-        </p:spPr>
-        <p:txBody>
-          <a:bodyPr wrap="none" rtlCol="0">
-            <a:spAutoFit/>
-          </a:bodyPr>
-          <a:lstStyle/>
-          <a:p>
-            <a:pPr algn="ctr">
-              <a:lnSpc>
-                <a:spcPct val="80000"/>
-              </a:lnSpc>
-            </a:pPr>
-            <a:r>
-              <a:rPr lang="en-US" sz="11500" dirty="0" smtClean="0"/>
-              <a:t>Problems</a:t>
-            </a:r>
-          </a:p>
-          <a:p>
-            <a:pPr algn="ctr">
-              <a:lnSpc>
-                <a:spcPct val="80000"/>
-              </a:lnSpc>
-            </a:pPr>
-            <a:r>
-              <a:rPr lang="en-US" sz="11500" dirty="0" smtClean="0"/>
-              <a:t>1 </a:t>
-            </a:r>
-            <a:r>
-              <a:rPr lang="en-US" sz="11500" dirty="0" smtClean="0">
-                <a:sym typeface="Euclid Symbol" pitchFamily="18" charset="2"/>
-              </a:rPr>
-              <a:t>&amp; 2</a:t>
-            </a:r>
-            <a:endParaRPr lang="en-US" sz="11500" dirty="0"/>
-          </a:p>
-        </p:txBody>
-      </p:sp>
-    </p:spTree>
-  </p:cSld>
-  <p:clrMapOvr>
-    <a:masterClrMapping/>
-  </p:clrMapOvr>
-  <p:transition xmlns:p14="http://schemas.microsoft.com/office/powerpoint/2010/main">
-    <p:fade thruBlk="1"/>
-  </p:transition>
-  <p:timing>
-    <p:tnLst>
-      <p:par>
-        <p:cTn xmlns:p14="http://schemas.microsoft.com/office/powerpoint/2010/main" id="1" dur="indefinite" restart="never" nodeType="tmRoot"/>
-      </p:par>
-    </p:tnLst>
-  </p:timing>
-</p:sld>
-</file>
-
 <file path=ppt/slides/slide4.xml><?xml version="1.0" encoding="utf-8"?>
 <p:sld xmlns:a="http://schemas.openxmlformats.org/drawingml/2006/main" xmlns:r="http://schemas.openxmlformats.org/officeDocument/2006/relationships" xmlns:p="http://schemas.openxmlformats.org/presentationml/2006/main" show="0">
   <p:cSld>
@@ -20311,7 +20333,11 @@
             </a:r>
             <a:r>
               <a:rPr lang="en-US" dirty="0" smtClean="0"/>
-              <a:t> 13M.</a:t>
+              <a:t> </a:t>
+            </a:r>
+            <a:r>
+              <a:rPr lang="en-US" dirty="0" smtClean="0"/>
+              <a:t>11M.</a:t>
             </a:r>
             <a:fld id="{17233D2A-0857-4415-88C1-423492E69A26}" type="slidenum">
               <a:rPr lang="en-US" smtClean="0"/>
@@ -20376,7 +20402,7 @@
           <a:graphicData uri="http://schemas.openxmlformats.org/presentationml/2006/ole">
             <mc:AlternateContent xmlns:mc="http://schemas.openxmlformats.org/markup-compatibility/2006">
               <mc:Choice xmlns:v="urn:schemas-microsoft-com:vml" Requires="v">
-                <p:oleObj spid="_x0000_s188448" name="Equation" r:id="rId4" imgW="2971800" imgH="342900" progId="Equation.3">
+                <p:oleObj spid="_x0000_s188452" name="Equation" r:id="rId4" imgW="2971800" imgH="342900" progId="Equation.3">
                   <p:embed/>
                 </p:oleObj>
               </mc:Choice>
@@ -20446,7 +20472,7 @@
           <a:graphicData uri="http://schemas.openxmlformats.org/presentationml/2006/ole">
             <mc:AlternateContent xmlns:mc="http://schemas.openxmlformats.org/markup-compatibility/2006">
               <mc:Choice xmlns:v="urn:schemas-microsoft-com:vml" Requires="v">
-                <p:oleObj spid="_x0000_s188449" name="Equation" r:id="rId6" imgW="3390900" imgH="342900" progId="Equation.3">
+                <p:oleObj spid="_x0000_s188453" name="Equation" r:id="rId6" imgW="3390900" imgH="342900" progId="Equation.3">
                   <p:embed/>
                 </p:oleObj>
               </mc:Choice>
@@ -20516,7 +20542,7 @@
           <a:graphicData uri="http://schemas.openxmlformats.org/presentationml/2006/ole">
             <mc:AlternateContent xmlns:mc="http://schemas.openxmlformats.org/markup-compatibility/2006">
               <mc:Choice xmlns:v="urn:schemas-microsoft-com:vml" Requires="v">
-                <p:oleObj spid="_x0000_s188450" name="Equation" r:id="rId8" imgW="2768600" imgH="495300" progId="Equation.3">
+                <p:oleObj spid="_x0000_s188454" name="Equation" r:id="rId8" imgW="2768600" imgH="495300" progId="Equation.3">
                   <p:embed/>
                 </p:oleObj>
               </mc:Choice>
@@ -20835,7 +20861,24 @@
                 <a:ea typeface="+mn-ea"/>
                 <a:cs typeface="+mn-cs"/>
               </a:rPr>
-              <a:t> 13M.</a:t>
+              <a:t> </a:t>
+            </a:r>
+            <a:r>
+              <a:rPr kumimoji="0" lang="en-US" sz="1000" b="0" i="0" u="none" strike="noStrike" kern="1200" cap="none" spc="0" normalizeH="0" baseline="0" noProof="0" dirty="0" smtClean="0">
+                <a:ln>
+                  <a:noFill/>
+                </a:ln>
+                <a:solidFill>
+                  <a:schemeClr val="tx1"/>
+                </a:solidFill>
+                <a:effectLst/>
+                <a:uLnTx/>
+                <a:uFillTx/>
+                <a:latin typeface="Comic Sans MS" pitchFamily="66" charset="0"/>
+                <a:ea typeface="+mn-ea"/>
+                <a:cs typeface="+mn-cs"/>
+              </a:rPr>
+              <a:t>11M.</a:t>
             </a:r>
             <a:fld id="{17233D2A-0857-4415-88C1-423492E69A26}" type="slidenum">
               <a:rPr kumimoji="0" lang="en-US" sz="1000" b="0" i="0" u="none" strike="noStrike" kern="1200" cap="none" spc="0" normalizeH="0" baseline="0" noProof="0" smtClean="0">
@@ -20910,7 +20953,7 @@
           <a:graphicData uri="http://schemas.openxmlformats.org/presentationml/2006/ole">
             <mc:AlternateContent xmlns:mc="http://schemas.openxmlformats.org/markup-compatibility/2006">
               <mc:Choice xmlns:v="urn:schemas-microsoft-com:vml" Requires="v">
-                <p:oleObj spid="_x0000_s26698" name="Equation" r:id="rId4" imgW="6057900" imgH="762000" progId="Equation.DSMT4">
+                <p:oleObj spid="_x0000_s26706" name="Equation" r:id="rId4" imgW="6057900" imgH="762000" progId="Equation.DSMT4">
                   <p:embed/>
                 </p:oleObj>
               </mc:Choice>
@@ -20974,7 +21017,7 @@
           <a:graphicData uri="http://schemas.openxmlformats.org/presentationml/2006/ole">
             <mc:AlternateContent xmlns:mc="http://schemas.openxmlformats.org/markup-compatibility/2006">
               <mc:Choice xmlns:v="urn:schemas-microsoft-com:vml" Requires="v">
-                <p:oleObj spid="_x0000_s26699" name="Equation" r:id="rId6" imgW="1650960" imgH="520560" progId="Equation.DSMT4">
+                <p:oleObj spid="_x0000_s26707" name="Equation" r:id="rId6" imgW="1650960" imgH="520560" progId="Equation.DSMT4">
                   <p:embed/>
                 </p:oleObj>
               </mc:Choice>
@@ -21069,7 +21112,7 @@
           <a:graphicData uri="http://schemas.openxmlformats.org/presentationml/2006/ole">
             <mc:AlternateContent xmlns:mc="http://schemas.openxmlformats.org/markup-compatibility/2006">
               <mc:Choice xmlns:v="urn:schemas-microsoft-com:vml" Requires="v">
-                <p:oleObj spid="_x0000_s26700" name="Equation" r:id="rId8" imgW="1650960" imgH="520560" progId="Equation.DSMT4">
+                <p:oleObj spid="_x0000_s26708" name="Equation" r:id="rId8" imgW="1650960" imgH="520560" progId="Equation.DSMT4">
                   <p:embed/>
                 </p:oleObj>
               </mc:Choice>
@@ -21170,7 +21213,7 @@
           <a:graphicData uri="http://schemas.openxmlformats.org/presentationml/2006/ole">
             <mc:AlternateContent xmlns:mc="http://schemas.openxmlformats.org/markup-compatibility/2006">
               <mc:Choice xmlns:v="urn:schemas-microsoft-com:vml" Requires="v">
-                <p:oleObj spid="_x0000_s26701" name="Equation" r:id="rId10" imgW="6413500" imgH="762000" progId="Equation.DSMT4">
+                <p:oleObj spid="_x0000_s26709" name="Equation" r:id="rId10" imgW="6413500" imgH="762000" progId="Equation.DSMT4">
                   <p:embed/>
                 </p:oleObj>
               </mc:Choice>
@@ -21240,7 +21283,7 @@
           <a:graphicData uri="http://schemas.openxmlformats.org/presentationml/2006/ole">
             <mc:AlternateContent xmlns:mc="http://schemas.openxmlformats.org/markup-compatibility/2006">
               <mc:Choice xmlns:v="urn:schemas-microsoft-com:vml" Requires="v">
-                <p:oleObj spid="_x0000_s26702" name="Equation" r:id="rId12" imgW="7175500" imgH="1612900" progId="Equation.DSMT4">
+                <p:oleObj spid="_x0000_s26710" name="Equation" r:id="rId12" imgW="7175500" imgH="1612900" progId="Equation.DSMT4">
                   <p:embed/>
                 </p:oleObj>
               </mc:Choice>
@@ -21304,7 +21347,7 @@
           <a:graphicData uri="http://schemas.openxmlformats.org/presentationml/2006/ole">
             <mc:AlternateContent xmlns:mc="http://schemas.openxmlformats.org/markup-compatibility/2006">
               <mc:Choice xmlns:v="urn:schemas-microsoft-com:vml" Requires="v">
-                <p:oleObj spid="_x0000_s26703" name="Equation" r:id="rId14" imgW="3047760" imgH="1193760" progId="Equation.DSMT4">
+                <p:oleObj spid="_x0000_s26711" name="Equation" r:id="rId14" imgW="3047760" imgH="1193760" progId="Equation.DSMT4">
                   <p:embed/>
                 </p:oleObj>
               </mc:Choice>
@@ -21380,7 +21423,7 @@
           <a:graphicData uri="http://schemas.openxmlformats.org/presentationml/2006/ole">
             <mc:AlternateContent xmlns:mc="http://schemas.openxmlformats.org/markup-compatibility/2006">
               <mc:Choice xmlns:v="urn:schemas-microsoft-com:vml" Requires="v">
-                <p:oleObj spid="_x0000_s26704" name="Equation" r:id="rId16" imgW="1422400" imgH="1409700" progId="Equation.DSMT4">
+                <p:oleObj spid="_x0000_s26712" name="Equation" r:id="rId16" imgW="1422400" imgH="1409700" progId="Equation.DSMT4">
                   <p:embed/>
                 </p:oleObj>
               </mc:Choice>
@@ -21927,7 +21970,24 @@
                 <a:ea typeface="+mn-ea"/>
                 <a:cs typeface="+mn-cs"/>
               </a:rPr>
-              <a:t> 13M.</a:t>
+              <a:t> </a:t>
+            </a:r>
+            <a:r>
+              <a:rPr kumimoji="0" lang="en-US" sz="1000" b="0" i="0" u="none" strike="noStrike" kern="1200" cap="none" spc="0" normalizeH="0" baseline="0" noProof="0" dirty="0" smtClean="0">
+                <a:ln>
+                  <a:noFill/>
+                </a:ln>
+                <a:solidFill>
+                  <a:schemeClr val="tx1"/>
+                </a:solidFill>
+                <a:effectLst/>
+                <a:uLnTx/>
+                <a:uFillTx/>
+                <a:latin typeface="Comic Sans MS" pitchFamily="66" charset="0"/>
+                <a:ea typeface="+mn-ea"/>
+                <a:cs typeface="+mn-cs"/>
+              </a:rPr>
+              <a:t>11M.</a:t>
             </a:r>
             <a:fld id="{17233D2A-0857-4415-88C1-423492E69A26}" type="slidenum">
               <a:rPr kumimoji="0" lang="en-US" sz="1000" b="0" i="0" u="none" strike="noStrike" kern="1200" cap="none" spc="0" normalizeH="0" baseline="0" noProof="0" smtClean="0">
@@ -22002,7 +22062,7 @@
           <a:graphicData uri="http://schemas.openxmlformats.org/presentationml/2006/ole">
             <mc:AlternateContent xmlns:mc="http://schemas.openxmlformats.org/markup-compatibility/2006">
               <mc:Choice xmlns:v="urn:schemas-microsoft-com:vml" Requires="v">
-                <p:oleObj spid="_x0000_s105554" name="Equation" r:id="rId4" imgW="6388100" imgH="850900" progId="Equation.DSMT4">
+                <p:oleObj spid="_x0000_s105562" name="Equation" r:id="rId4" imgW="6388100" imgH="850900" progId="Equation.DSMT4">
                   <p:embed/>
                 </p:oleObj>
               </mc:Choice>
@@ -22066,7 +22126,7 @@
           <a:graphicData uri="http://schemas.openxmlformats.org/presentationml/2006/ole">
             <mc:AlternateContent xmlns:mc="http://schemas.openxmlformats.org/markup-compatibility/2006">
               <mc:Choice xmlns:v="urn:schemas-microsoft-com:vml" Requires="v">
-                <p:oleObj spid="_x0000_s105555" name="Equation" r:id="rId6" imgW="1676160" imgH="558720" progId="Equation.DSMT4">
+                <p:oleObj spid="_x0000_s105563" name="Equation" r:id="rId6" imgW="1676160" imgH="558720" progId="Equation.DSMT4">
                   <p:embed/>
                 </p:oleObj>
               </mc:Choice>
@@ -22136,7 +22196,7 @@
           <a:graphicData uri="http://schemas.openxmlformats.org/presentationml/2006/ole">
             <mc:AlternateContent xmlns:mc="http://schemas.openxmlformats.org/markup-compatibility/2006">
               <mc:Choice xmlns:v="urn:schemas-microsoft-com:vml" Requires="v">
-                <p:oleObj spid="_x0000_s105556" name="Equation" r:id="rId8" imgW="1231560" imgH="571320" progId="Equation.DSMT4">
+                <p:oleObj spid="_x0000_s105564" name="Equation" r:id="rId8" imgW="1231560" imgH="571320" progId="Equation.DSMT4">
                   <p:embed/>
                 </p:oleObj>
               </mc:Choice>
@@ -22212,7 +22272,7 @@
           <a:graphicData uri="http://schemas.openxmlformats.org/presentationml/2006/ole">
             <mc:AlternateContent xmlns:mc="http://schemas.openxmlformats.org/markup-compatibility/2006">
               <mc:Choice xmlns:v="urn:schemas-microsoft-com:vml" Requires="v">
-                <p:oleObj spid="_x0000_s105557" name="Equation" r:id="rId10" imgW="6311900" imgH="850900" progId="Equation.DSMT4">
+                <p:oleObj spid="_x0000_s105565" name="Equation" r:id="rId10" imgW="6311900" imgH="850900" progId="Equation.DSMT4">
                   <p:embed/>
                 </p:oleObj>
               </mc:Choice>
@@ -22485,7 +22545,7 @@
           <a:graphicData uri="http://schemas.openxmlformats.org/presentationml/2006/ole">
             <mc:AlternateContent xmlns:mc="http://schemas.openxmlformats.org/markup-compatibility/2006">
               <mc:Choice xmlns:v="urn:schemas-microsoft-com:vml" Requires="v">
-                <p:oleObj spid="_x0000_s105558" name="Equation" r:id="rId12" imgW="4000500" imgH="850900" progId="Equation.DSMT4">
+                <p:oleObj spid="_x0000_s105566" name="Equation" r:id="rId12" imgW="4000500" imgH="850900" progId="Equation.DSMT4">
                   <p:embed/>
                 </p:oleObj>
               </mc:Choice>
@@ -22555,7 +22615,7 @@
           <a:graphicData uri="http://schemas.openxmlformats.org/presentationml/2006/ole">
             <mc:AlternateContent xmlns:mc="http://schemas.openxmlformats.org/markup-compatibility/2006">
               <mc:Choice xmlns:v="urn:schemas-microsoft-com:vml" Requires="v">
-                <p:oleObj spid="_x0000_s105559" name="Equation" r:id="rId14" imgW="3302000" imgH="571500" progId="Equation.DSMT4">
+                <p:oleObj spid="_x0000_s105567" name="Equation" r:id="rId14" imgW="3302000" imgH="571500" progId="Equation.DSMT4">
                   <p:embed/>
                 </p:oleObj>
               </mc:Choice>
@@ -22619,7 +22679,7 @@
           <a:graphicData uri="http://schemas.openxmlformats.org/presentationml/2006/ole">
             <mc:AlternateContent xmlns:mc="http://schemas.openxmlformats.org/markup-compatibility/2006">
               <mc:Choice xmlns:v="urn:schemas-microsoft-com:vml" Requires="v">
-                <p:oleObj spid="_x0000_s105560" name="Equation" r:id="rId16" imgW="2641320" imgH="1168200" progId="Equation.DSMT4">
+                <p:oleObj spid="_x0000_s105568" name="Equation" r:id="rId16" imgW="2641320" imgH="1168200" progId="Equation.DSMT4">
                   <p:embed/>
                 </p:oleObj>
               </mc:Choice>
@@ -23808,7 +23868,24 @@
                 <a:ea typeface="+mn-ea"/>
                 <a:cs typeface="+mn-cs"/>
               </a:rPr>
-              <a:t> 13M.</a:t>
+              <a:t> </a:t>
+            </a:r>
+            <a:r>
+              <a:rPr kumimoji="0" lang="en-US" sz="1000" b="0" i="0" u="none" strike="noStrike" kern="1200" cap="none" spc="0" normalizeH="0" baseline="0" noProof="0" dirty="0" smtClean="0">
+                <a:ln>
+                  <a:noFill/>
+                </a:ln>
+                <a:solidFill>
+                  <a:schemeClr val="tx1"/>
+                </a:solidFill>
+                <a:effectLst/>
+                <a:uLnTx/>
+                <a:uFillTx/>
+                <a:latin typeface="Comic Sans MS" pitchFamily="66" charset="0"/>
+                <a:ea typeface="+mn-ea"/>
+                <a:cs typeface="+mn-cs"/>
+              </a:rPr>
+              <a:t>11M.</a:t>
             </a:r>
             <a:fld id="{17233D2A-0857-4415-88C1-423492E69A26}" type="slidenum">
               <a:rPr kumimoji="0" lang="en-US" sz="1000" b="0" i="0" u="none" strike="noStrike" kern="1200" cap="none" spc="0" normalizeH="0" baseline="0" noProof="0" smtClean="0">
@@ -24594,7 +24671,24 @@
                 <a:ea typeface="+mn-ea"/>
                 <a:cs typeface="+mn-cs"/>
               </a:rPr>
-              <a:t> 13M.</a:t>
+              <a:t> </a:t>
+            </a:r>
+            <a:r>
+              <a:rPr kumimoji="0" lang="en-US" sz="1000" b="0" i="0" u="none" strike="noStrike" kern="1200" cap="none" spc="0" normalizeH="0" baseline="0" noProof="0" dirty="0" smtClean="0">
+                <a:ln>
+                  <a:noFill/>
+                </a:ln>
+                <a:solidFill>
+                  <a:schemeClr val="tx1"/>
+                </a:solidFill>
+                <a:effectLst/>
+                <a:uLnTx/>
+                <a:uFillTx/>
+                <a:latin typeface="Comic Sans MS" pitchFamily="66" charset="0"/>
+                <a:ea typeface="+mn-ea"/>
+                <a:cs typeface="+mn-cs"/>
+              </a:rPr>
+              <a:t>11M.</a:t>
             </a:r>
             <a:fld id="{17233D2A-0857-4415-88C1-423492E69A26}" type="slidenum">
               <a:rPr kumimoji="0" lang="en-US" sz="1000" b="0" i="0" u="none" strike="noStrike" kern="1200" cap="none" spc="0" normalizeH="0" baseline="0" noProof="0" smtClean="0">
@@ -24663,7 +24757,7 @@
           <a:graphicData uri="http://schemas.openxmlformats.org/presentationml/2006/ole">
             <mc:AlternateContent xmlns:mc="http://schemas.openxmlformats.org/markup-compatibility/2006">
               <mc:Choice xmlns:v="urn:schemas-microsoft-com:vml" Requires="v">
-                <p:oleObj spid="_x0000_s55336" name="Equation" r:id="rId5" imgW="3390840" imgH="634680" progId="Equation.DSMT4">
+                <p:oleObj spid="_x0000_s55341" name="Equation" r:id="rId5" imgW="3390840" imgH="634680" progId="Equation.DSMT4">
                   <p:embed/>
                 </p:oleObj>
               </mc:Choice>
@@ -24733,7 +24827,7 @@
           <a:graphicData uri="http://schemas.openxmlformats.org/presentationml/2006/ole">
             <mc:AlternateContent xmlns:mc="http://schemas.openxmlformats.org/markup-compatibility/2006">
               <mc:Choice xmlns:v="urn:schemas-microsoft-com:vml" Requires="v">
-                <p:oleObj spid="_x0000_s55337" name="Equation" r:id="rId7" imgW="1930320" imgH="634680" progId="Equation.DSMT4">
+                <p:oleObj spid="_x0000_s55342" name="Equation" r:id="rId7" imgW="1930320" imgH="634680" progId="Equation.DSMT4">
                   <p:embed/>
                 </p:oleObj>
               </mc:Choice>
@@ -24803,7 +24897,7 @@
           <a:graphicData uri="http://schemas.openxmlformats.org/presentationml/2006/ole">
             <mc:AlternateContent xmlns:mc="http://schemas.openxmlformats.org/markup-compatibility/2006">
               <mc:Choice xmlns:v="urn:schemas-microsoft-com:vml" Requires="v">
-                <p:oleObj spid="_x0000_s55338" name="Equation" r:id="rId9" imgW="3530520" imgH="647640" progId="Equation.DSMT4">
+                <p:oleObj spid="_x0000_s55343" name="Equation" r:id="rId9" imgW="3530520" imgH="647640" progId="Equation.DSMT4">
                   <p:embed/>
                 </p:oleObj>
               </mc:Choice>
@@ -24887,7 +24981,7 @@
             <a:graphicData uri="http://schemas.openxmlformats.org/presentationml/2006/ole">
               <mc:AlternateContent xmlns:mc="http://schemas.openxmlformats.org/markup-compatibility/2006">
                 <mc:Choice xmlns:v="urn:schemas-microsoft-com:vml" Requires="v">
-                  <p:oleObj spid="_x0000_s55339" name="Equation" r:id="rId11" imgW="3352680" imgH="634680" progId="Equation.DSMT4">
+                  <p:oleObj spid="_x0000_s55344" name="Equation" r:id="rId11" imgW="3352680" imgH="634680" progId="Equation.DSMT4">
                     <p:embed/>
                   </p:oleObj>
                 </mc:Choice>
@@ -25571,7 +25665,24 @@
                 <a:ea typeface="+mn-ea"/>
                 <a:cs typeface="+mn-cs"/>
               </a:rPr>
-              <a:t> 13M.</a:t>
+              <a:t> </a:t>
+            </a:r>
+            <a:r>
+              <a:rPr kumimoji="0" lang="en-US" sz="1000" b="0" i="0" u="none" strike="noStrike" kern="1200" cap="none" spc="0" normalizeH="0" baseline="0" noProof="0" dirty="0" smtClean="0">
+                <a:ln>
+                  <a:noFill/>
+                </a:ln>
+                <a:solidFill>
+                  <a:schemeClr val="tx1"/>
+                </a:solidFill>
+                <a:effectLst/>
+                <a:uLnTx/>
+                <a:uFillTx/>
+                <a:latin typeface="Comic Sans MS" pitchFamily="66" charset="0"/>
+                <a:ea typeface="+mn-ea"/>
+                <a:cs typeface="+mn-cs"/>
+              </a:rPr>
+              <a:t>11M.</a:t>
             </a:r>
             <a:fld id="{17233D2A-0857-4415-88C1-423492E69A26}" type="slidenum">
               <a:rPr kumimoji="0" lang="en-US" sz="1000" b="0" i="0" u="none" strike="noStrike" kern="1200" cap="none" spc="0" normalizeH="0" baseline="0" noProof="0" smtClean="0">
